--- a/Week_2/TIdy_data.pptx
+++ b/Week_2/TIdy_data.pptx
@@ -7,8 +7,15 @@
   <p:sldIdLst>
     <p:sldId id="256" r:id="rId2"/>
     <p:sldId id="257" r:id="rId3"/>
-    <p:sldId id="258" r:id="rId4"/>
+    <p:sldId id="260" r:id="rId4"/>
     <p:sldId id="259" r:id="rId5"/>
+    <p:sldId id="261" r:id="rId6"/>
+    <p:sldId id="262" r:id="rId7"/>
+    <p:sldId id="266" r:id="rId8"/>
+    <p:sldId id="263" r:id="rId9"/>
+    <p:sldId id="265" r:id="rId10"/>
+    <p:sldId id="264" r:id="rId11"/>
+    <p:sldId id="267" r:id="rId12"/>
   </p:sldIdLst>
   <p:sldSz cx="12192000" cy="6858000"/>
   <p:notesSz cx="6858000" cy="9144000"/>
@@ -118,6 +125,697 @@
 <file path=ppt/changesInfos/changesInfo1.xml><?xml version="1.0" encoding="utf-8"?>
 <pc:chgInfo xmlns:a="http://schemas.openxmlformats.org/drawingml/2006/main" xmlns:r="http://schemas.openxmlformats.org/officeDocument/2006/relationships" xmlns:ac="http://schemas.microsoft.com/office/drawing/2013/main/command" xmlns:pc="http://schemas.microsoft.com/office/powerpoint/2013/main/command">
   <pc:docChgLst>
+    <pc:chgData name="Catherine Kidner" userId="05772faa-c547-42bd-a4f8-01ff9d39ffcc" providerId="ADAL" clId="{A45D7CD4-5E0E-6845-96C9-0DFA878C3CDA}"/>
+    <pc:docChg chg="undo custSel addSld delSld modSld sldOrd">
+      <pc:chgData name="Catherine Kidner" userId="05772faa-c547-42bd-a4f8-01ff9d39ffcc" providerId="ADAL" clId="{A45D7CD4-5E0E-6845-96C9-0DFA878C3CDA}" dt="2023-05-23T12:50:41.787" v="1241" actId="2696"/>
+      <pc:docMkLst>
+        <pc:docMk/>
+      </pc:docMkLst>
+      <pc:sldChg chg="addSp modSp mod">
+        <pc:chgData name="Catherine Kidner" userId="05772faa-c547-42bd-a4f8-01ff9d39ffcc" providerId="ADAL" clId="{A45D7CD4-5E0E-6845-96C9-0DFA878C3CDA}" dt="2023-05-16T11:06:42.763" v="108" actId="1076"/>
+        <pc:sldMkLst>
+          <pc:docMk/>
+          <pc:sldMk cId="2074289198" sldId="256"/>
+        </pc:sldMkLst>
+        <pc:spChg chg="mod">
+          <ac:chgData name="Catherine Kidner" userId="05772faa-c547-42bd-a4f8-01ff9d39ffcc" providerId="ADAL" clId="{A45D7CD4-5E0E-6845-96C9-0DFA878C3CDA}" dt="2023-05-16T11:06:42.763" v="108" actId="1076"/>
+          <ac:spMkLst>
+            <pc:docMk/>
+            <pc:sldMk cId="2074289198" sldId="256"/>
+            <ac:spMk id="4" creationId="{673395A9-F558-0CB0-60EB-C3D84DC4591E}"/>
+          </ac:spMkLst>
+        </pc:spChg>
+        <pc:spChg chg="mod">
+          <ac:chgData name="Catherine Kidner" userId="05772faa-c547-42bd-a4f8-01ff9d39ffcc" providerId="ADAL" clId="{A45D7CD4-5E0E-6845-96C9-0DFA878C3CDA}" dt="2023-05-16T10:56:39.855" v="37" actId="1076"/>
+          <ac:spMkLst>
+            <pc:docMk/>
+            <pc:sldMk cId="2074289198" sldId="256"/>
+            <ac:spMk id="6" creationId="{0AEC619D-1511-56AB-0B54-844F0D9BD2D2}"/>
+          </ac:spMkLst>
+        </pc:spChg>
+        <pc:spChg chg="mod">
+          <ac:chgData name="Catherine Kidner" userId="05772faa-c547-42bd-a4f8-01ff9d39ffcc" providerId="ADAL" clId="{A45D7CD4-5E0E-6845-96C9-0DFA878C3CDA}" dt="2023-05-16T10:55:59.272" v="24" actId="14100"/>
+          <ac:spMkLst>
+            <pc:docMk/>
+            <pc:sldMk cId="2074289198" sldId="256"/>
+            <ac:spMk id="8" creationId="{D6635E38-DA10-DF4A-3520-DE39579BAA0F}"/>
+          </ac:spMkLst>
+        </pc:spChg>
+        <pc:picChg chg="add mod">
+          <ac:chgData name="Catherine Kidner" userId="05772faa-c547-42bd-a4f8-01ff9d39ffcc" providerId="ADAL" clId="{A45D7CD4-5E0E-6845-96C9-0DFA878C3CDA}" dt="2023-05-16T10:56:35.234" v="36" actId="14100"/>
+          <ac:picMkLst>
+            <pc:docMk/>
+            <pc:sldMk cId="2074289198" sldId="256"/>
+            <ac:picMk id="2" creationId="{4ED52ED6-800F-A55C-C474-51E9B3624ADE}"/>
+          </ac:picMkLst>
+        </pc:picChg>
+      </pc:sldChg>
+      <pc:sldChg chg="delSp modSp">
+        <pc:chgData name="Catherine Kidner" userId="05772faa-c547-42bd-a4f8-01ff9d39ffcc" providerId="ADAL" clId="{A45D7CD4-5E0E-6845-96C9-0DFA878C3CDA}" dt="2023-05-16T10:50:38.274" v="12" actId="1076"/>
+        <pc:sldMkLst>
+          <pc:docMk/>
+          <pc:sldMk cId="1462067926" sldId="257"/>
+        </pc:sldMkLst>
+        <pc:picChg chg="del mod">
+          <ac:chgData name="Catherine Kidner" userId="05772faa-c547-42bd-a4f8-01ff9d39ffcc" providerId="ADAL" clId="{A45D7CD4-5E0E-6845-96C9-0DFA878C3CDA}" dt="2023-05-16T10:50:33.655" v="11" actId="478"/>
+          <ac:picMkLst>
+            <pc:docMk/>
+            <pc:sldMk cId="1462067926" sldId="257"/>
+            <ac:picMk id="2" creationId="{D817828C-3BCC-886A-7B89-5D4EDF18EE86}"/>
+          </ac:picMkLst>
+        </pc:picChg>
+        <pc:picChg chg="mod">
+          <ac:chgData name="Catherine Kidner" userId="05772faa-c547-42bd-a4f8-01ff9d39ffcc" providerId="ADAL" clId="{A45D7CD4-5E0E-6845-96C9-0DFA878C3CDA}" dt="2023-05-16T10:50:38.274" v="12" actId="1076"/>
+          <ac:picMkLst>
+            <pc:docMk/>
+            <pc:sldMk cId="1462067926" sldId="257"/>
+            <ac:picMk id="1028" creationId="{3C74082D-35E3-CDBE-A351-48A191E1BFE9}"/>
+          </ac:picMkLst>
+        </pc:picChg>
+      </pc:sldChg>
+      <pc:sldChg chg="addSp delSp modSp del mod ord">
+        <pc:chgData name="Catherine Kidner" userId="05772faa-c547-42bd-a4f8-01ff9d39ffcc" providerId="ADAL" clId="{A45D7CD4-5E0E-6845-96C9-0DFA878C3CDA}" dt="2023-05-19T16:02:42.544" v="1109" actId="2696"/>
+        <pc:sldMkLst>
+          <pc:docMk/>
+          <pc:sldMk cId="2579521832" sldId="258"/>
+        </pc:sldMkLst>
+        <pc:spChg chg="add mod">
+          <ac:chgData name="Catherine Kidner" userId="05772faa-c547-42bd-a4f8-01ff9d39ffcc" providerId="ADAL" clId="{A45D7CD4-5E0E-6845-96C9-0DFA878C3CDA}" dt="2023-05-16T11:05:35.892" v="100" actId="14100"/>
+          <ac:spMkLst>
+            <pc:docMk/>
+            <pc:sldMk cId="2579521832" sldId="258"/>
+            <ac:spMk id="3" creationId="{BFBE453A-C376-B03A-49BE-415602029950}"/>
+          </ac:spMkLst>
+        </pc:spChg>
+        <pc:spChg chg="del mod">
+          <ac:chgData name="Catherine Kidner" userId="05772faa-c547-42bd-a4f8-01ff9d39ffcc" providerId="ADAL" clId="{A45D7CD4-5E0E-6845-96C9-0DFA878C3CDA}" dt="2023-05-16T11:02:45.876" v="82" actId="478"/>
+          <ac:spMkLst>
+            <pc:docMk/>
+            <pc:sldMk cId="2579521832" sldId="258"/>
+            <ac:spMk id="5" creationId="{8BECD741-488F-3188-5DCE-B47FF2B85E56}"/>
+          </ac:spMkLst>
+        </pc:spChg>
+        <pc:spChg chg="del mod">
+          <ac:chgData name="Catherine Kidner" userId="05772faa-c547-42bd-a4f8-01ff9d39ffcc" providerId="ADAL" clId="{A45D7CD4-5E0E-6845-96C9-0DFA878C3CDA}" dt="2023-05-16T11:02:47.904" v="83" actId="478"/>
+          <ac:spMkLst>
+            <pc:docMk/>
+            <pc:sldMk cId="2579521832" sldId="258"/>
+            <ac:spMk id="6" creationId="{0CDF8BC1-C33E-81D9-E92F-C6C896B44798}"/>
+          </ac:spMkLst>
+        </pc:spChg>
+        <pc:spChg chg="add mod">
+          <ac:chgData name="Catherine Kidner" userId="05772faa-c547-42bd-a4f8-01ff9d39ffcc" providerId="ADAL" clId="{A45D7CD4-5E0E-6845-96C9-0DFA878C3CDA}" dt="2023-05-16T11:07:20.443" v="109" actId="1076"/>
+          <ac:spMkLst>
+            <pc:docMk/>
+            <pc:sldMk cId="2579521832" sldId="258"/>
+            <ac:spMk id="7" creationId="{4B157DB1-90BD-CA6D-F98C-70A21BA9242B}"/>
+          </ac:spMkLst>
+        </pc:spChg>
+        <pc:picChg chg="add del mod">
+          <ac:chgData name="Catherine Kidner" userId="05772faa-c547-42bd-a4f8-01ff9d39ffcc" providerId="ADAL" clId="{A45D7CD4-5E0E-6845-96C9-0DFA878C3CDA}" dt="2023-05-16T11:01:28.693" v="61" actId="478"/>
+          <ac:picMkLst>
+            <pc:docMk/>
+            <pc:sldMk cId="2579521832" sldId="258"/>
+            <ac:picMk id="2050" creationId="{FDC5ABF6-22A4-B6A5-2CFE-50527B7DEC85}"/>
+          </ac:picMkLst>
+        </pc:picChg>
+      </pc:sldChg>
+      <pc:sldChg chg="modSp mod ord">
+        <pc:chgData name="Catherine Kidner" userId="05772faa-c547-42bd-a4f8-01ff9d39ffcc" providerId="ADAL" clId="{A45D7CD4-5E0E-6845-96C9-0DFA878C3CDA}" dt="2023-05-16T11:02:58.586" v="86" actId="20578"/>
+        <pc:sldMkLst>
+          <pc:docMk/>
+          <pc:sldMk cId="3193205215" sldId="259"/>
+        </pc:sldMkLst>
+        <pc:spChg chg="mod">
+          <ac:chgData name="Catherine Kidner" userId="05772faa-c547-42bd-a4f8-01ff9d39ffcc" providerId="ADAL" clId="{A45D7CD4-5E0E-6845-96C9-0DFA878C3CDA}" dt="2023-05-16T10:51:11.997" v="21" actId="403"/>
+          <ac:spMkLst>
+            <pc:docMk/>
+            <pc:sldMk cId="3193205215" sldId="259"/>
+            <ac:spMk id="7" creationId="{60937C0B-3F86-1ADB-682D-C7C46126007C}"/>
+          </ac:spMkLst>
+        </pc:spChg>
+      </pc:sldChg>
+      <pc:sldChg chg="addSp delSp modSp new mod">
+        <pc:chgData name="Catherine Kidner" userId="05772faa-c547-42bd-a4f8-01ff9d39ffcc" providerId="ADAL" clId="{A45D7CD4-5E0E-6845-96C9-0DFA878C3CDA}" dt="2023-05-19T16:02:58.075" v="1111" actId="1076"/>
+        <pc:sldMkLst>
+          <pc:docMk/>
+          <pc:sldMk cId="3507873521" sldId="260"/>
+        </pc:sldMkLst>
+        <pc:spChg chg="del">
+          <ac:chgData name="Catherine Kidner" userId="05772faa-c547-42bd-a4f8-01ff9d39ffcc" providerId="ADAL" clId="{A45D7CD4-5E0E-6845-96C9-0DFA878C3CDA}" dt="2023-05-16T10:50:17.387" v="6" actId="478"/>
+          <ac:spMkLst>
+            <pc:docMk/>
+            <pc:sldMk cId="3507873521" sldId="260"/>
+            <ac:spMk id="2" creationId="{E9DC187F-7435-C796-A4F1-42BF5DDDDB67}"/>
+          </ac:spMkLst>
+        </pc:spChg>
+        <pc:spChg chg="del">
+          <ac:chgData name="Catherine Kidner" userId="05772faa-c547-42bd-a4f8-01ff9d39ffcc" providerId="ADAL" clId="{A45D7CD4-5E0E-6845-96C9-0DFA878C3CDA}" dt="2023-05-16T10:50:15.905" v="5" actId="478"/>
+          <ac:spMkLst>
+            <pc:docMk/>
+            <pc:sldMk cId="3507873521" sldId="260"/>
+            <ac:spMk id="3" creationId="{3893BCBD-E5F6-8E9B-8344-5D1A958446F6}"/>
+          </ac:spMkLst>
+        </pc:spChg>
+        <pc:spChg chg="add del mod">
+          <ac:chgData name="Catherine Kidner" userId="05772faa-c547-42bd-a4f8-01ff9d39ffcc" providerId="ADAL" clId="{A45D7CD4-5E0E-6845-96C9-0DFA878C3CDA}" dt="2023-05-16T10:57:02.851" v="39" actId="478"/>
+          <ac:spMkLst>
+            <pc:docMk/>
+            <pc:sldMk cId="3507873521" sldId="260"/>
+            <ac:spMk id="5" creationId="{1C84AA90-43D7-630F-6802-02991817345C}"/>
+          </ac:spMkLst>
+        </pc:spChg>
+        <pc:spChg chg="add del mod">
+          <ac:chgData name="Catherine Kidner" userId="05772faa-c547-42bd-a4f8-01ff9d39ffcc" providerId="ADAL" clId="{A45D7CD4-5E0E-6845-96C9-0DFA878C3CDA}" dt="2023-05-16T10:57:02.851" v="39" actId="478"/>
+          <ac:spMkLst>
+            <pc:docMk/>
+            <pc:sldMk cId="3507873521" sldId="260"/>
+            <ac:spMk id="6" creationId="{11E5C9B3-2237-F925-80F3-8511AF269058}"/>
+          </ac:spMkLst>
+        </pc:spChg>
+        <pc:spChg chg="add mod">
+          <ac:chgData name="Catherine Kidner" userId="05772faa-c547-42bd-a4f8-01ff9d39ffcc" providerId="ADAL" clId="{A45D7CD4-5E0E-6845-96C9-0DFA878C3CDA}" dt="2023-05-19T16:02:58.075" v="1111" actId="1076"/>
+          <ac:spMkLst>
+            <pc:docMk/>
+            <pc:sldMk cId="3507873521" sldId="260"/>
+            <ac:spMk id="7" creationId="{345C7C95-8752-4BD8-B9E5-15AE6165A817}"/>
+          </ac:spMkLst>
+        </pc:spChg>
+        <pc:spChg chg="add mod">
+          <ac:chgData name="Catherine Kidner" userId="05772faa-c547-42bd-a4f8-01ff9d39ffcc" providerId="ADAL" clId="{A45D7CD4-5E0E-6845-96C9-0DFA878C3CDA}" dt="2023-05-19T16:02:55.241" v="1110" actId="1076"/>
+          <ac:spMkLst>
+            <pc:docMk/>
+            <pc:sldMk cId="3507873521" sldId="260"/>
+            <ac:spMk id="8" creationId="{6A97B9B5-FB2F-1924-9680-726E1F0D08D9}"/>
+          </ac:spMkLst>
+        </pc:spChg>
+        <pc:picChg chg="add mod">
+          <ac:chgData name="Catherine Kidner" userId="05772faa-c547-42bd-a4f8-01ff9d39ffcc" providerId="ADAL" clId="{A45D7CD4-5E0E-6845-96C9-0DFA878C3CDA}" dt="2023-05-16T11:01:33.498" v="62" actId="1076"/>
+          <ac:picMkLst>
+            <pc:docMk/>
+            <pc:sldMk cId="3507873521" sldId="260"/>
+            <ac:picMk id="4" creationId="{E4282D0F-9556-C049-C95C-DB360C10247E}"/>
+          </ac:picMkLst>
+        </pc:picChg>
+      </pc:sldChg>
+      <pc:sldChg chg="addSp delSp modSp new mod ord">
+        <pc:chgData name="Catherine Kidner" userId="05772faa-c547-42bd-a4f8-01ff9d39ffcc" providerId="ADAL" clId="{A45D7CD4-5E0E-6845-96C9-0DFA878C3CDA}" dt="2023-05-16T12:06:58.622" v="120" actId="1076"/>
+        <pc:sldMkLst>
+          <pc:docMk/>
+          <pc:sldMk cId="2393669509" sldId="261"/>
+        </pc:sldMkLst>
+        <pc:spChg chg="del">
+          <ac:chgData name="Catherine Kidner" userId="05772faa-c547-42bd-a4f8-01ff9d39ffcc" providerId="ADAL" clId="{A45D7CD4-5E0E-6845-96C9-0DFA878C3CDA}" dt="2023-05-16T11:00:54.696" v="49" actId="478"/>
+          <ac:spMkLst>
+            <pc:docMk/>
+            <pc:sldMk cId="2393669509" sldId="261"/>
+            <ac:spMk id="2" creationId="{EA763095-DBFB-767F-CF4C-4EE992E67FC4}"/>
+          </ac:spMkLst>
+        </pc:spChg>
+        <pc:spChg chg="del">
+          <ac:chgData name="Catherine Kidner" userId="05772faa-c547-42bd-a4f8-01ff9d39ffcc" providerId="ADAL" clId="{A45D7CD4-5E0E-6845-96C9-0DFA878C3CDA}" dt="2023-05-16T11:00:56.521" v="50" actId="478"/>
+          <ac:spMkLst>
+            <pc:docMk/>
+            <pc:sldMk cId="2393669509" sldId="261"/>
+            <ac:spMk id="3" creationId="{F8196F1F-73FD-122A-53E7-39356801EBFA}"/>
+          </ac:spMkLst>
+        </pc:spChg>
+        <pc:picChg chg="add mod">
+          <ac:chgData name="Catherine Kidner" userId="05772faa-c547-42bd-a4f8-01ff9d39ffcc" providerId="ADAL" clId="{A45D7CD4-5E0E-6845-96C9-0DFA878C3CDA}" dt="2023-05-16T12:06:37.687" v="111" actId="1076"/>
+          <ac:picMkLst>
+            <pc:docMk/>
+            <pc:sldMk cId="2393669509" sldId="261"/>
+            <ac:picMk id="4" creationId="{64EB26FD-DCE3-1440-4439-8C8F59F41786}"/>
+          </ac:picMkLst>
+        </pc:picChg>
+        <pc:picChg chg="add mod">
+          <ac:chgData name="Catherine Kidner" userId="05772faa-c547-42bd-a4f8-01ff9d39ffcc" providerId="ADAL" clId="{A45D7CD4-5E0E-6845-96C9-0DFA878C3CDA}" dt="2023-05-16T12:06:49.631" v="115" actId="14100"/>
+          <ac:picMkLst>
+            <pc:docMk/>
+            <pc:sldMk cId="2393669509" sldId="261"/>
+            <ac:picMk id="3074" creationId="{1427659B-B139-7B3A-2E9B-23B6CD32E881}"/>
+          </ac:picMkLst>
+        </pc:picChg>
+        <pc:picChg chg="add mod">
+          <ac:chgData name="Catherine Kidner" userId="05772faa-c547-42bd-a4f8-01ff9d39ffcc" providerId="ADAL" clId="{A45D7CD4-5E0E-6845-96C9-0DFA878C3CDA}" dt="2023-05-16T12:06:39.138" v="112" actId="1076"/>
+          <ac:picMkLst>
+            <pc:docMk/>
+            <pc:sldMk cId="2393669509" sldId="261"/>
+            <ac:picMk id="3076" creationId="{486E750B-974E-9462-4E88-C02F57267967}"/>
+          </ac:picMkLst>
+        </pc:picChg>
+        <pc:picChg chg="add mod">
+          <ac:chgData name="Catherine Kidner" userId="05772faa-c547-42bd-a4f8-01ff9d39ffcc" providerId="ADAL" clId="{A45D7CD4-5E0E-6845-96C9-0DFA878C3CDA}" dt="2023-05-16T12:06:58.622" v="120" actId="1076"/>
+          <ac:picMkLst>
+            <pc:docMk/>
+            <pc:sldMk cId="2393669509" sldId="261"/>
+            <ac:picMk id="3078" creationId="{81529206-71CA-070D-56B2-84FB398BE6C2}"/>
+          </ac:picMkLst>
+        </pc:picChg>
+      </pc:sldChg>
+      <pc:sldChg chg="addSp delSp modSp new mod">
+        <pc:chgData name="Catherine Kidner" userId="05772faa-c547-42bd-a4f8-01ff9d39ffcc" providerId="ADAL" clId="{A45D7CD4-5E0E-6845-96C9-0DFA878C3CDA}" dt="2023-05-23T10:38:43.917" v="1122" actId="1076"/>
+        <pc:sldMkLst>
+          <pc:docMk/>
+          <pc:sldMk cId="2582367712" sldId="262"/>
+        </pc:sldMkLst>
+        <pc:spChg chg="del">
+          <ac:chgData name="Catherine Kidner" userId="05772faa-c547-42bd-a4f8-01ff9d39ffcc" providerId="ADAL" clId="{A45D7CD4-5E0E-6845-96C9-0DFA878C3CDA}" dt="2023-05-19T15:32:15.936" v="797" actId="478"/>
+          <ac:spMkLst>
+            <pc:docMk/>
+            <pc:sldMk cId="2582367712" sldId="262"/>
+            <ac:spMk id="2" creationId="{550213EF-7505-627A-A493-6AB74EBD9AC6}"/>
+          </ac:spMkLst>
+        </pc:spChg>
+        <pc:spChg chg="del">
+          <ac:chgData name="Catherine Kidner" userId="05772faa-c547-42bd-a4f8-01ff9d39ffcc" providerId="ADAL" clId="{A45D7CD4-5E0E-6845-96C9-0DFA878C3CDA}" dt="2023-05-19T15:32:18.374" v="798" actId="478"/>
+          <ac:spMkLst>
+            <pc:docMk/>
+            <pc:sldMk cId="2582367712" sldId="262"/>
+            <ac:spMk id="3" creationId="{E2DB854E-B5F4-0330-0343-E64EF927703F}"/>
+          </ac:spMkLst>
+        </pc:spChg>
+        <pc:spChg chg="add mod">
+          <ac:chgData name="Catherine Kidner" userId="05772faa-c547-42bd-a4f8-01ff9d39ffcc" providerId="ADAL" clId="{A45D7CD4-5E0E-6845-96C9-0DFA878C3CDA}" dt="2023-05-19T15:56:52.193" v="1095" actId="14100"/>
+          <ac:spMkLst>
+            <pc:docMk/>
+            <pc:sldMk cId="2582367712" sldId="262"/>
+            <ac:spMk id="5" creationId="{9CBB94AE-0095-93B7-8929-93587197AA22}"/>
+          </ac:spMkLst>
+        </pc:spChg>
+        <pc:spChg chg="add mod">
+          <ac:chgData name="Catherine Kidner" userId="05772faa-c547-42bd-a4f8-01ff9d39ffcc" providerId="ADAL" clId="{A45D7CD4-5E0E-6845-96C9-0DFA878C3CDA}" dt="2023-05-23T10:38:43.917" v="1122" actId="1076"/>
+          <ac:spMkLst>
+            <pc:docMk/>
+            <pc:sldMk cId="2582367712" sldId="262"/>
+            <ac:spMk id="7" creationId="{3B907739-C46D-D273-33EB-9E5905023EC0}"/>
+          </ac:spMkLst>
+        </pc:spChg>
+        <pc:spChg chg="add mod">
+          <ac:chgData name="Catherine Kidner" userId="05772faa-c547-42bd-a4f8-01ff9d39ffcc" providerId="ADAL" clId="{A45D7CD4-5E0E-6845-96C9-0DFA878C3CDA}" dt="2023-05-23T10:34:26.740" v="1114" actId="403"/>
+          <ac:spMkLst>
+            <pc:docMk/>
+            <pc:sldMk cId="2582367712" sldId="262"/>
+            <ac:spMk id="9" creationId="{551E97FC-5685-2169-A0A9-E653B719AB8F}"/>
+          </ac:spMkLst>
+        </pc:spChg>
+      </pc:sldChg>
+      <pc:sldChg chg="addSp delSp modSp new mod">
+        <pc:chgData name="Catherine Kidner" userId="05772faa-c547-42bd-a4f8-01ff9d39ffcc" providerId="ADAL" clId="{A45D7CD4-5E0E-6845-96C9-0DFA878C3CDA}" dt="2023-05-19T15:49:52.152" v="1002" actId="207"/>
+        <pc:sldMkLst>
+          <pc:docMk/>
+          <pc:sldMk cId="4172342904" sldId="263"/>
+        </pc:sldMkLst>
+        <pc:spChg chg="del">
+          <ac:chgData name="Catherine Kidner" userId="05772faa-c547-42bd-a4f8-01ff9d39ffcc" providerId="ADAL" clId="{A45D7CD4-5E0E-6845-96C9-0DFA878C3CDA}" dt="2023-05-19T15:36:36.604" v="833" actId="478"/>
+          <ac:spMkLst>
+            <pc:docMk/>
+            <pc:sldMk cId="4172342904" sldId="263"/>
+            <ac:spMk id="2" creationId="{49A4EAFB-EE3A-809F-56D3-1388DCE2346C}"/>
+          </ac:spMkLst>
+        </pc:spChg>
+        <pc:spChg chg="del">
+          <ac:chgData name="Catherine Kidner" userId="05772faa-c547-42bd-a4f8-01ff9d39ffcc" providerId="ADAL" clId="{A45D7CD4-5E0E-6845-96C9-0DFA878C3CDA}" dt="2023-05-19T15:36:38.381" v="834" actId="478"/>
+          <ac:spMkLst>
+            <pc:docMk/>
+            <pc:sldMk cId="4172342904" sldId="263"/>
+            <ac:spMk id="3" creationId="{2FD16C37-0A0B-50A8-F2C9-618726AE86C9}"/>
+          </ac:spMkLst>
+        </pc:spChg>
+        <pc:spChg chg="add mod">
+          <ac:chgData name="Catherine Kidner" userId="05772faa-c547-42bd-a4f8-01ff9d39ffcc" providerId="ADAL" clId="{A45D7CD4-5E0E-6845-96C9-0DFA878C3CDA}" dt="2023-05-19T15:39:03.080" v="850" actId="403"/>
+          <ac:spMkLst>
+            <pc:docMk/>
+            <pc:sldMk cId="4172342904" sldId="263"/>
+            <ac:spMk id="4" creationId="{52077BE6-AEB0-7401-22D9-31A3F8D3C18A}"/>
+          </ac:spMkLst>
+        </pc:spChg>
+        <pc:spChg chg="add del mod">
+          <ac:chgData name="Catherine Kidner" userId="05772faa-c547-42bd-a4f8-01ff9d39ffcc" providerId="ADAL" clId="{A45D7CD4-5E0E-6845-96C9-0DFA878C3CDA}" dt="2023-05-19T15:39:08.574" v="854"/>
+          <ac:spMkLst>
+            <pc:docMk/>
+            <pc:sldMk cId="4172342904" sldId="263"/>
+            <ac:spMk id="5" creationId="{C8236EDF-F2CE-961A-0D78-EC8F441E78AE}"/>
+          </ac:spMkLst>
+        </pc:spChg>
+        <pc:spChg chg="add mod">
+          <ac:chgData name="Catherine Kidner" userId="05772faa-c547-42bd-a4f8-01ff9d39ffcc" providerId="ADAL" clId="{A45D7CD4-5E0E-6845-96C9-0DFA878C3CDA}" dt="2023-05-19T15:49:52.152" v="1002" actId="207"/>
+          <ac:spMkLst>
+            <pc:docMk/>
+            <pc:sldMk cId="4172342904" sldId="263"/>
+            <ac:spMk id="8" creationId="{4A75316D-3B6C-E13B-AC1E-E06897FF1E3C}"/>
+          </ac:spMkLst>
+        </pc:spChg>
+        <pc:picChg chg="add mod">
+          <ac:chgData name="Catherine Kidner" userId="05772faa-c547-42bd-a4f8-01ff9d39ffcc" providerId="ADAL" clId="{A45D7CD4-5E0E-6845-96C9-0DFA878C3CDA}" dt="2023-05-19T15:39:05.096" v="851" actId="1076"/>
+          <ac:picMkLst>
+            <pc:docMk/>
+            <pc:sldMk cId="4172342904" sldId="263"/>
+            <ac:picMk id="7" creationId="{96BD7DC4-6387-D12D-0C3D-4A4363F0214C}"/>
+          </ac:picMkLst>
+        </pc:picChg>
+      </pc:sldChg>
+      <pc:sldChg chg="addSp delSp modSp new mod">
+        <pc:chgData name="Catherine Kidner" userId="05772faa-c547-42bd-a4f8-01ff9d39ffcc" providerId="ADAL" clId="{A45D7CD4-5E0E-6845-96C9-0DFA878C3CDA}" dt="2023-05-19T15:55:27.912" v="1028" actId="207"/>
+        <pc:sldMkLst>
+          <pc:docMk/>
+          <pc:sldMk cId="898206973" sldId="264"/>
+        </pc:sldMkLst>
+        <pc:spChg chg="del">
+          <ac:chgData name="Catherine Kidner" userId="05772faa-c547-42bd-a4f8-01ff9d39ffcc" providerId="ADAL" clId="{A45D7CD4-5E0E-6845-96C9-0DFA878C3CDA}" dt="2023-05-19T15:40:15.564" v="855" actId="478"/>
+          <ac:spMkLst>
+            <pc:docMk/>
+            <pc:sldMk cId="898206973" sldId="264"/>
+            <ac:spMk id="2" creationId="{59AF8BA2-B45D-4618-D2AD-09E5323B7C33}"/>
+          </ac:spMkLst>
+        </pc:spChg>
+        <pc:spChg chg="del">
+          <ac:chgData name="Catherine Kidner" userId="05772faa-c547-42bd-a4f8-01ff9d39ffcc" providerId="ADAL" clId="{A45D7CD4-5E0E-6845-96C9-0DFA878C3CDA}" dt="2023-05-19T15:40:17.209" v="856" actId="478"/>
+          <ac:spMkLst>
+            <pc:docMk/>
+            <pc:sldMk cId="898206973" sldId="264"/>
+            <ac:spMk id="3" creationId="{06620629-63A0-840C-244B-7D19BEF87AD4}"/>
+          </ac:spMkLst>
+        </pc:spChg>
+        <pc:spChg chg="add mod">
+          <ac:chgData name="Catherine Kidner" userId="05772faa-c547-42bd-a4f8-01ff9d39ffcc" providerId="ADAL" clId="{A45D7CD4-5E0E-6845-96C9-0DFA878C3CDA}" dt="2023-05-19T15:42:37.118" v="873" actId="1076"/>
+          <ac:spMkLst>
+            <pc:docMk/>
+            <pc:sldMk cId="898206973" sldId="264"/>
+            <ac:spMk id="4" creationId="{1B1A57DA-C0F7-FE1C-DFE1-6EBA6907C139}"/>
+          </ac:spMkLst>
+        </pc:spChg>
+        <pc:spChg chg="add mod">
+          <ac:chgData name="Catherine Kidner" userId="05772faa-c547-42bd-a4f8-01ff9d39ffcc" providerId="ADAL" clId="{A45D7CD4-5E0E-6845-96C9-0DFA878C3CDA}" dt="2023-05-19T15:55:27.912" v="1028" actId="207"/>
+          <ac:spMkLst>
+            <pc:docMk/>
+            <pc:sldMk cId="898206973" sldId="264"/>
+            <ac:spMk id="8" creationId="{8A313887-7049-1FB9-6324-4319E27489BA}"/>
+          </ac:spMkLst>
+        </pc:spChg>
+        <pc:picChg chg="add mod">
+          <ac:chgData name="Catherine Kidner" userId="05772faa-c547-42bd-a4f8-01ff9d39ffcc" providerId="ADAL" clId="{A45D7CD4-5E0E-6845-96C9-0DFA878C3CDA}" dt="2023-05-19T15:42:38.284" v="874" actId="1076"/>
+          <ac:picMkLst>
+            <pc:docMk/>
+            <pc:sldMk cId="898206973" sldId="264"/>
+            <ac:picMk id="6" creationId="{8FF18725-6E7D-DD6B-DAE7-12507D4C5A81}"/>
+          </ac:picMkLst>
+        </pc:picChg>
+      </pc:sldChg>
+      <pc:sldChg chg="addSp delSp modSp new mod">
+        <pc:chgData name="Catherine Kidner" userId="05772faa-c547-42bd-a4f8-01ff9d39ffcc" providerId="ADAL" clId="{A45D7CD4-5E0E-6845-96C9-0DFA878C3CDA}" dt="2023-05-19T15:50:23.165" v="1015" actId="207"/>
+        <pc:sldMkLst>
+          <pc:docMk/>
+          <pc:sldMk cId="261170781" sldId="265"/>
+        </pc:sldMkLst>
+        <pc:spChg chg="del">
+          <ac:chgData name="Catherine Kidner" userId="05772faa-c547-42bd-a4f8-01ff9d39ffcc" providerId="ADAL" clId="{A45D7CD4-5E0E-6845-96C9-0DFA878C3CDA}" dt="2023-05-19T15:42:51.595" v="876" actId="478"/>
+          <ac:spMkLst>
+            <pc:docMk/>
+            <pc:sldMk cId="261170781" sldId="265"/>
+            <ac:spMk id="2" creationId="{FC6839B1-E3FA-72EC-987B-E8B041A9A479}"/>
+          </ac:spMkLst>
+        </pc:spChg>
+        <pc:spChg chg="del">
+          <ac:chgData name="Catherine Kidner" userId="05772faa-c547-42bd-a4f8-01ff9d39ffcc" providerId="ADAL" clId="{A45D7CD4-5E0E-6845-96C9-0DFA878C3CDA}" dt="2023-05-19T15:42:53.224" v="877" actId="478"/>
+          <ac:spMkLst>
+            <pc:docMk/>
+            <pc:sldMk cId="261170781" sldId="265"/>
+            <ac:spMk id="3" creationId="{D336F664-7325-4DEF-BA6A-1A3FF241E813}"/>
+          </ac:spMkLst>
+        </pc:spChg>
+        <pc:spChg chg="add mod">
+          <ac:chgData name="Catherine Kidner" userId="05772faa-c547-42bd-a4f8-01ff9d39ffcc" providerId="ADAL" clId="{A45D7CD4-5E0E-6845-96C9-0DFA878C3CDA}" dt="2023-05-19T15:43:38.518" v="917" actId="404"/>
+          <ac:spMkLst>
+            <pc:docMk/>
+            <pc:sldMk cId="261170781" sldId="265"/>
+            <ac:spMk id="4" creationId="{E844B058-FDF3-5C3F-6D37-117B4364C6CA}"/>
+          </ac:spMkLst>
+        </pc:spChg>
+        <pc:spChg chg="add mod">
+          <ac:chgData name="Catherine Kidner" userId="05772faa-c547-42bd-a4f8-01ff9d39ffcc" providerId="ADAL" clId="{A45D7CD4-5E0E-6845-96C9-0DFA878C3CDA}" dt="2023-05-19T15:50:23.165" v="1015" actId="207"/>
+          <ac:spMkLst>
+            <pc:docMk/>
+            <pc:sldMk cId="261170781" sldId="265"/>
+            <ac:spMk id="8" creationId="{076ADEE6-D273-6F39-D488-724A87F343D1}"/>
+          </ac:spMkLst>
+        </pc:spChg>
+        <pc:picChg chg="add mod">
+          <ac:chgData name="Catherine Kidner" userId="05772faa-c547-42bd-a4f8-01ff9d39ffcc" providerId="ADAL" clId="{A45D7CD4-5E0E-6845-96C9-0DFA878C3CDA}" dt="2023-05-19T15:43:42.211" v="919" actId="14100"/>
+          <ac:picMkLst>
+            <pc:docMk/>
+            <pc:sldMk cId="261170781" sldId="265"/>
+            <ac:picMk id="6" creationId="{6163CD30-D104-B449-24CF-0A8BF9808DF6}"/>
+          </ac:picMkLst>
+        </pc:picChg>
+      </pc:sldChg>
+      <pc:sldChg chg="addSp delSp modSp new mod">
+        <pc:chgData name="Catherine Kidner" userId="05772faa-c547-42bd-a4f8-01ff9d39ffcc" providerId="ADAL" clId="{A45D7CD4-5E0E-6845-96C9-0DFA878C3CDA}" dt="2023-05-23T10:34:46.119" v="1121" actId="1076"/>
+        <pc:sldMkLst>
+          <pc:docMk/>
+          <pc:sldMk cId="2424707560" sldId="266"/>
+        </pc:sldMkLst>
+        <pc:spChg chg="del">
+          <ac:chgData name="Catherine Kidner" userId="05772faa-c547-42bd-a4f8-01ff9d39ffcc" providerId="ADAL" clId="{A45D7CD4-5E0E-6845-96C9-0DFA878C3CDA}" dt="2023-05-19T15:45:03.272" v="924" actId="478"/>
+          <ac:spMkLst>
+            <pc:docMk/>
+            <pc:sldMk cId="2424707560" sldId="266"/>
+            <ac:spMk id="2" creationId="{FDF5BB46-AAE8-FB99-D4D9-2FDDDCDDB0AD}"/>
+          </ac:spMkLst>
+        </pc:spChg>
+        <pc:spChg chg="del">
+          <ac:chgData name="Catherine Kidner" userId="05772faa-c547-42bd-a4f8-01ff9d39ffcc" providerId="ADAL" clId="{A45D7CD4-5E0E-6845-96C9-0DFA878C3CDA}" dt="2023-05-19T15:45:04.919" v="925" actId="478"/>
+          <ac:spMkLst>
+            <pc:docMk/>
+            <pc:sldMk cId="2424707560" sldId="266"/>
+            <ac:spMk id="3" creationId="{6929C264-7E8F-BB5D-1E47-707B03F390EB}"/>
+          </ac:spMkLst>
+        </pc:spChg>
+        <pc:spChg chg="add mod">
+          <ac:chgData name="Catherine Kidner" userId="05772faa-c547-42bd-a4f8-01ff9d39ffcc" providerId="ADAL" clId="{A45D7CD4-5E0E-6845-96C9-0DFA878C3CDA}" dt="2023-05-23T10:34:43.869" v="1120" actId="1076"/>
+          <ac:spMkLst>
+            <pc:docMk/>
+            <pc:sldMk cId="2424707560" sldId="266"/>
+            <ac:spMk id="5" creationId="{B6B5EC4D-4CFB-8E5B-3463-FF3BA4C587F5}"/>
+          </ac:spMkLst>
+        </pc:spChg>
+        <pc:spChg chg="add mod">
+          <ac:chgData name="Catherine Kidner" userId="05772faa-c547-42bd-a4f8-01ff9d39ffcc" providerId="ADAL" clId="{A45D7CD4-5E0E-6845-96C9-0DFA878C3CDA}" dt="2023-05-19T15:45:38.098" v="986" actId="403"/>
+          <ac:spMkLst>
+            <pc:docMk/>
+            <pc:sldMk cId="2424707560" sldId="266"/>
+            <ac:spMk id="6" creationId="{1CF2560F-B327-F7B1-9F09-45C27258AF82}"/>
+          </ac:spMkLst>
+        </pc:spChg>
+        <pc:spChg chg="add mod">
+          <ac:chgData name="Catherine Kidner" userId="05772faa-c547-42bd-a4f8-01ff9d39ffcc" providerId="ADAL" clId="{A45D7CD4-5E0E-6845-96C9-0DFA878C3CDA}" dt="2023-05-23T10:34:46.119" v="1121" actId="1076"/>
+          <ac:spMkLst>
+            <pc:docMk/>
+            <pc:sldMk cId="2424707560" sldId="266"/>
+            <ac:spMk id="7" creationId="{221D8A62-FD2B-EF70-35AE-16028FF9D2D1}"/>
+          </ac:spMkLst>
+        </pc:spChg>
+      </pc:sldChg>
+      <pc:sldChg chg="addSp delSp modSp new mod">
+        <pc:chgData name="Catherine Kidner" userId="05772faa-c547-42bd-a4f8-01ff9d39ffcc" providerId="ADAL" clId="{A45D7CD4-5E0E-6845-96C9-0DFA878C3CDA}" dt="2023-05-19T16:00:37.727" v="1108" actId="1076"/>
+        <pc:sldMkLst>
+          <pc:docMk/>
+          <pc:sldMk cId="2948972706" sldId="267"/>
+        </pc:sldMkLst>
+        <pc:spChg chg="del">
+          <ac:chgData name="Catherine Kidner" userId="05772faa-c547-42bd-a4f8-01ff9d39ffcc" providerId="ADAL" clId="{A45D7CD4-5E0E-6845-96C9-0DFA878C3CDA}" dt="2023-05-19T15:52:52.057" v="1018" actId="478"/>
+          <ac:spMkLst>
+            <pc:docMk/>
+            <pc:sldMk cId="2948972706" sldId="267"/>
+            <ac:spMk id="2" creationId="{B1F76DAC-3FF8-07CC-8F1F-B2389928B95F}"/>
+          </ac:spMkLst>
+        </pc:spChg>
+        <pc:spChg chg="del">
+          <ac:chgData name="Catherine Kidner" userId="05772faa-c547-42bd-a4f8-01ff9d39ffcc" providerId="ADAL" clId="{A45D7CD4-5E0E-6845-96C9-0DFA878C3CDA}" dt="2023-05-19T15:52:50.594" v="1017" actId="478"/>
+          <ac:spMkLst>
+            <pc:docMk/>
+            <pc:sldMk cId="2948972706" sldId="267"/>
+            <ac:spMk id="3" creationId="{1EB3A745-98DB-1923-AE07-657F9B79E0CB}"/>
+          </ac:spMkLst>
+        </pc:spChg>
+        <pc:spChg chg="add mod">
+          <ac:chgData name="Catherine Kidner" userId="05772faa-c547-42bd-a4f8-01ff9d39ffcc" providerId="ADAL" clId="{A45D7CD4-5E0E-6845-96C9-0DFA878C3CDA}" dt="2023-05-19T15:59:54.109" v="1103" actId="1076"/>
+          <ac:spMkLst>
+            <pc:docMk/>
+            <pc:sldMk cId="2948972706" sldId="267"/>
+            <ac:spMk id="5" creationId="{0432FB2F-2120-34A5-6B4D-A15EDF95799F}"/>
+          </ac:spMkLst>
+        </pc:spChg>
+        <pc:spChg chg="add del mod">
+          <ac:chgData name="Catherine Kidner" userId="05772faa-c547-42bd-a4f8-01ff9d39ffcc" providerId="ADAL" clId="{A45D7CD4-5E0E-6845-96C9-0DFA878C3CDA}" dt="2023-05-19T16:00:31.983" v="1106" actId="478"/>
+          <ac:spMkLst>
+            <pc:docMk/>
+            <pc:sldMk cId="2948972706" sldId="267"/>
+            <ac:spMk id="9" creationId="{08ED08FA-0CA6-943A-8115-C6D3BEDA8E6E}"/>
+          </ac:spMkLst>
+        </pc:spChg>
+        <pc:spChg chg="add mod">
+          <ac:chgData name="Catherine Kidner" userId="05772faa-c547-42bd-a4f8-01ff9d39ffcc" providerId="ADAL" clId="{A45D7CD4-5E0E-6845-96C9-0DFA878C3CDA}" dt="2023-05-19T16:00:37.727" v="1108" actId="1076"/>
+          <ac:spMkLst>
+            <pc:docMk/>
+            <pc:sldMk cId="2948972706" sldId="267"/>
+            <ac:spMk id="11" creationId="{02F1683B-3A04-E9AC-2E2A-05A233DF2751}"/>
+          </ac:spMkLst>
+        </pc:spChg>
+        <pc:picChg chg="add mod">
+          <ac:chgData name="Catherine Kidner" userId="05772faa-c547-42bd-a4f8-01ff9d39ffcc" providerId="ADAL" clId="{A45D7CD4-5E0E-6845-96C9-0DFA878C3CDA}" dt="2023-05-19T15:59:50.209" v="1102" actId="1076"/>
+          <ac:picMkLst>
+            <pc:docMk/>
+            <pc:sldMk cId="2948972706" sldId="267"/>
+            <ac:picMk id="7" creationId="{C946822D-529F-42CC-82A6-04BFA40FBC3F}"/>
+          </ac:picMkLst>
+        </pc:picChg>
+      </pc:sldChg>
+      <pc:sldChg chg="addSp delSp modSp new del mod">
+        <pc:chgData name="Catherine Kidner" userId="05772faa-c547-42bd-a4f8-01ff9d39ffcc" providerId="ADAL" clId="{A45D7CD4-5E0E-6845-96C9-0DFA878C3CDA}" dt="2023-05-23T12:50:41.787" v="1241" actId="2696"/>
+        <pc:sldMkLst>
+          <pc:docMk/>
+          <pc:sldMk cId="2613820628" sldId="268"/>
+        </pc:sldMkLst>
+        <pc:spChg chg="del">
+          <ac:chgData name="Catherine Kidner" userId="05772faa-c547-42bd-a4f8-01ff9d39ffcc" providerId="ADAL" clId="{A45D7CD4-5E0E-6845-96C9-0DFA878C3CDA}" dt="2023-05-23T10:43:06.840" v="1124" actId="478"/>
+          <ac:spMkLst>
+            <pc:docMk/>
+            <pc:sldMk cId="2613820628" sldId="268"/>
+            <ac:spMk id="2" creationId="{FB9D6989-93C1-2417-B9D4-C00616ED8671}"/>
+          </ac:spMkLst>
+        </pc:spChg>
+        <pc:spChg chg="del">
+          <ac:chgData name="Catherine Kidner" userId="05772faa-c547-42bd-a4f8-01ff9d39ffcc" providerId="ADAL" clId="{A45D7CD4-5E0E-6845-96C9-0DFA878C3CDA}" dt="2023-05-23T10:43:08.711" v="1125" actId="478"/>
+          <ac:spMkLst>
+            <pc:docMk/>
+            <pc:sldMk cId="2613820628" sldId="268"/>
+            <ac:spMk id="3" creationId="{213753EE-BF8E-7CA6-285E-7458BFE36679}"/>
+          </ac:spMkLst>
+        </pc:spChg>
+        <pc:spChg chg="add mod">
+          <ac:chgData name="Catherine Kidner" userId="05772faa-c547-42bd-a4f8-01ff9d39ffcc" providerId="ADAL" clId="{A45D7CD4-5E0E-6845-96C9-0DFA878C3CDA}" dt="2023-05-23T10:44:27.118" v="1134" actId="1076"/>
+          <ac:spMkLst>
+            <pc:docMk/>
+            <pc:sldMk cId="2613820628" sldId="268"/>
+            <ac:spMk id="5" creationId="{3C01E73D-8B89-E8B2-F247-56EFFB77F12B}"/>
+          </ac:spMkLst>
+        </pc:spChg>
+        <pc:picChg chg="add mod">
+          <ac:chgData name="Catherine Kidner" userId="05772faa-c547-42bd-a4f8-01ff9d39ffcc" providerId="ADAL" clId="{A45D7CD4-5E0E-6845-96C9-0DFA878C3CDA}" dt="2023-05-23T10:44:32.917" v="1136" actId="14100"/>
+          <ac:picMkLst>
+            <pc:docMk/>
+            <pc:sldMk cId="2613820628" sldId="268"/>
+            <ac:picMk id="7" creationId="{F21C0F0C-8ECF-B725-EDCF-1712B4403AFB}"/>
+          </ac:picMkLst>
+        </pc:picChg>
+      </pc:sldChg>
+      <pc:sldChg chg="addSp delSp modSp new del mod">
+        <pc:chgData name="Catherine Kidner" userId="05772faa-c547-42bd-a4f8-01ff9d39ffcc" providerId="ADAL" clId="{A45D7CD4-5E0E-6845-96C9-0DFA878C3CDA}" dt="2023-05-23T10:58:00.200" v="1240" actId="2696"/>
+        <pc:sldMkLst>
+          <pc:docMk/>
+          <pc:sldMk cId="1137778642" sldId="269"/>
+        </pc:sldMkLst>
+        <pc:spChg chg="del">
+          <ac:chgData name="Catherine Kidner" userId="05772faa-c547-42bd-a4f8-01ff9d39ffcc" providerId="ADAL" clId="{A45D7CD4-5E0E-6845-96C9-0DFA878C3CDA}" dt="2023-05-23T10:50:20.139" v="1139" actId="478"/>
+          <ac:spMkLst>
+            <pc:docMk/>
+            <pc:sldMk cId="1137778642" sldId="269"/>
+            <ac:spMk id="2" creationId="{E1EBF8A2-44C2-2273-DE79-6CF0DFB05F24}"/>
+          </ac:spMkLst>
+        </pc:spChg>
+        <pc:spChg chg="del">
+          <ac:chgData name="Catherine Kidner" userId="05772faa-c547-42bd-a4f8-01ff9d39ffcc" providerId="ADAL" clId="{A45D7CD4-5E0E-6845-96C9-0DFA878C3CDA}" dt="2023-05-23T10:50:18.117" v="1138" actId="478"/>
+          <ac:spMkLst>
+            <pc:docMk/>
+            <pc:sldMk cId="1137778642" sldId="269"/>
+            <ac:spMk id="3" creationId="{0EBC6C88-BB44-0214-D917-F748A2C4BBB5}"/>
+          </ac:spMkLst>
+        </pc:spChg>
+        <pc:spChg chg="add mod">
+          <ac:chgData name="Catherine Kidner" userId="05772faa-c547-42bd-a4f8-01ff9d39ffcc" providerId="ADAL" clId="{A45D7CD4-5E0E-6845-96C9-0DFA878C3CDA}" dt="2023-05-23T10:50:28.033" v="1143" actId="1076"/>
+          <ac:spMkLst>
+            <pc:docMk/>
+            <pc:sldMk cId="1137778642" sldId="269"/>
+            <ac:spMk id="5" creationId="{EE5DBC80-36AD-BA94-A631-55DEA25C2B0F}"/>
+          </ac:spMkLst>
+        </pc:spChg>
+        <pc:spChg chg="add mod">
+          <ac:chgData name="Catherine Kidner" userId="05772faa-c547-42bd-a4f8-01ff9d39ffcc" providerId="ADAL" clId="{A45D7CD4-5E0E-6845-96C9-0DFA878C3CDA}" dt="2023-05-23T10:53:39.052" v="1214" actId="1076"/>
+          <ac:spMkLst>
+            <pc:docMk/>
+            <pc:sldMk cId="1137778642" sldId="269"/>
+            <ac:spMk id="11" creationId="{231C3E28-2A1E-F1C6-31AF-4D00CFCB1778}"/>
+          </ac:spMkLst>
+        </pc:spChg>
+        <pc:spChg chg="add mod">
+          <ac:chgData name="Catherine Kidner" userId="05772faa-c547-42bd-a4f8-01ff9d39ffcc" providerId="ADAL" clId="{A45D7CD4-5E0E-6845-96C9-0DFA878C3CDA}" dt="2023-05-23T10:55:23.440" v="1231" actId="1076"/>
+          <ac:spMkLst>
+            <pc:docMk/>
+            <pc:sldMk cId="1137778642" sldId="269"/>
+            <ac:spMk id="14" creationId="{1C2B2CB7-0974-5F86-238F-603909EDE02F}"/>
+          </ac:spMkLst>
+        </pc:spChg>
+        <pc:graphicFrameChg chg="add mod modGraphic">
+          <ac:chgData name="Catherine Kidner" userId="05772faa-c547-42bd-a4f8-01ff9d39ffcc" providerId="ADAL" clId="{A45D7CD4-5E0E-6845-96C9-0DFA878C3CDA}" dt="2023-05-23T10:56:14.646" v="1238" actId="1076"/>
+          <ac:graphicFrameMkLst>
+            <pc:docMk/>
+            <pc:sldMk cId="1137778642" sldId="269"/>
+            <ac:graphicFrameMk id="6" creationId="{1A1643DC-0A88-07BD-EFD2-9F487E5115C5}"/>
+          </ac:graphicFrameMkLst>
+        </pc:graphicFrameChg>
+        <pc:graphicFrameChg chg="add mod modGraphic">
+          <ac:chgData name="Catherine Kidner" userId="05772faa-c547-42bd-a4f8-01ff9d39ffcc" providerId="ADAL" clId="{A45D7CD4-5E0E-6845-96C9-0DFA878C3CDA}" dt="2023-05-23T10:56:04.505" v="1236" actId="1076"/>
+          <ac:graphicFrameMkLst>
+            <pc:docMk/>
+            <pc:sldMk cId="1137778642" sldId="269"/>
+            <ac:graphicFrameMk id="7" creationId="{58032F4F-FD1E-BBCA-355C-B0BD5D4149B6}"/>
+          </ac:graphicFrameMkLst>
+        </pc:graphicFrameChg>
+        <pc:graphicFrameChg chg="add mod">
+          <ac:chgData name="Catherine Kidner" userId="05772faa-c547-42bd-a4f8-01ff9d39ffcc" providerId="ADAL" clId="{A45D7CD4-5E0E-6845-96C9-0DFA878C3CDA}" dt="2023-05-23T10:55:17.336" v="1229" actId="1076"/>
+          <ac:graphicFrameMkLst>
+            <pc:docMk/>
+            <pc:sldMk cId="1137778642" sldId="269"/>
+            <ac:graphicFrameMk id="8" creationId="{E9FCA5E8-8FC8-B831-6C15-7055379AC191}"/>
+          </ac:graphicFrameMkLst>
+        </pc:graphicFrameChg>
+        <pc:graphicFrameChg chg="add mod modGraphic">
+          <ac:chgData name="Catherine Kidner" userId="05772faa-c547-42bd-a4f8-01ff9d39ffcc" providerId="ADAL" clId="{A45D7CD4-5E0E-6845-96C9-0DFA878C3CDA}" dt="2023-05-23T10:56:00.318" v="1235" actId="1076"/>
+          <ac:graphicFrameMkLst>
+            <pc:docMk/>
+            <pc:sldMk cId="1137778642" sldId="269"/>
+            <ac:graphicFrameMk id="9" creationId="{08630747-C5D5-AFD0-5F15-68C083053197}"/>
+          </ac:graphicFrameMkLst>
+        </pc:graphicFrameChg>
+        <pc:graphicFrameChg chg="add del mod modGraphic">
+          <ac:chgData name="Catherine Kidner" userId="05772faa-c547-42bd-a4f8-01ff9d39ffcc" providerId="ADAL" clId="{A45D7CD4-5E0E-6845-96C9-0DFA878C3CDA}" dt="2023-05-23T10:54:01.404" v="1222" actId="478"/>
+          <ac:graphicFrameMkLst>
+            <pc:docMk/>
+            <pc:sldMk cId="1137778642" sldId="269"/>
+            <ac:graphicFrameMk id="10" creationId="{01EC2699-F8F8-E1F3-123F-ABA300C47069}"/>
+          </ac:graphicFrameMkLst>
+        </pc:graphicFrameChg>
+        <pc:graphicFrameChg chg="add mod">
+          <ac:chgData name="Catherine Kidner" userId="05772faa-c547-42bd-a4f8-01ff9d39ffcc" providerId="ADAL" clId="{A45D7CD4-5E0E-6845-96C9-0DFA878C3CDA}" dt="2023-05-23T10:56:10.493" v="1237" actId="1076"/>
+          <ac:graphicFrameMkLst>
+            <pc:docMk/>
+            <pc:sldMk cId="1137778642" sldId="269"/>
+            <ac:graphicFrameMk id="12" creationId="{54BCEE32-3AC8-BFB4-32E9-FCF60EFCD543}"/>
+          </ac:graphicFrameMkLst>
+        </pc:graphicFrameChg>
+        <pc:picChg chg="add mod">
+          <ac:chgData name="Catherine Kidner" userId="05772faa-c547-42bd-a4f8-01ff9d39ffcc" providerId="ADAL" clId="{A45D7CD4-5E0E-6845-96C9-0DFA878C3CDA}" dt="2023-05-23T10:56:17.715" v="1239" actId="1076"/>
+          <ac:picMkLst>
+            <pc:docMk/>
+            <pc:sldMk cId="1137778642" sldId="269"/>
+            <ac:picMk id="1026" creationId="{6B28A80D-FEA3-307C-98F4-D94D871C70FC}"/>
+          </ac:picMkLst>
+        </pc:picChg>
+      </pc:sldChg>
+    </pc:docChg>
+  </pc:docChgLst>
+  <pc:docChgLst>
     <pc:chgData name="Catherine Kidner" userId="05772faa-c547-42bd-a4f8-01ff9d39ffcc" providerId="ADAL" clId="{6778AAA8-E08E-944C-95A7-CFC16C5B31A9}"/>
     <pc:docChg chg="modSld">
       <pc:chgData name="Catherine Kidner" userId="05772faa-c547-42bd-a4f8-01ff9d39ffcc" providerId="ADAL" clId="{6778AAA8-E08E-944C-95A7-CFC16C5B31A9}" dt="2022-11-10T12:01:34.050" v="4" actId="1076"/>
@@ -301,7 +999,7 @@
           <a:p>
             <a:fld id="{6FD9776F-9BA3-C446-BC76-1E7B0EDEC55C}" type="datetimeFigureOut">
               <a:rPr lang="en-US" smtClean="0"/>
-              <a:t>11/10/22</a:t>
+              <a:t>5/23/23</a:t>
             </a:fld>
             <a:endParaRPr lang="en-US"/>
           </a:p>
@@ -501,7 +1199,7 @@
           <a:p>
             <a:fld id="{6FD9776F-9BA3-C446-BC76-1E7B0EDEC55C}" type="datetimeFigureOut">
               <a:rPr lang="en-US" smtClean="0"/>
-              <a:t>11/10/22</a:t>
+              <a:t>5/23/23</a:t>
             </a:fld>
             <a:endParaRPr lang="en-US"/>
           </a:p>
@@ -711,7 +1409,7 @@
           <a:p>
             <a:fld id="{6FD9776F-9BA3-C446-BC76-1E7B0EDEC55C}" type="datetimeFigureOut">
               <a:rPr lang="en-US" smtClean="0"/>
-              <a:t>11/10/22</a:t>
+              <a:t>5/23/23</a:t>
             </a:fld>
             <a:endParaRPr lang="en-US"/>
           </a:p>
@@ -911,7 +1609,7 @@
           <a:p>
             <a:fld id="{6FD9776F-9BA3-C446-BC76-1E7B0EDEC55C}" type="datetimeFigureOut">
               <a:rPr lang="en-US" smtClean="0"/>
-              <a:t>11/10/22</a:t>
+              <a:t>5/23/23</a:t>
             </a:fld>
             <a:endParaRPr lang="en-US"/>
           </a:p>
@@ -1187,7 +1885,7 @@
           <a:p>
             <a:fld id="{6FD9776F-9BA3-C446-BC76-1E7B0EDEC55C}" type="datetimeFigureOut">
               <a:rPr lang="en-US" smtClean="0"/>
-              <a:t>11/10/22</a:t>
+              <a:t>5/23/23</a:t>
             </a:fld>
             <a:endParaRPr lang="en-US"/>
           </a:p>
@@ -1455,7 +2153,7 @@
           <a:p>
             <a:fld id="{6FD9776F-9BA3-C446-BC76-1E7B0EDEC55C}" type="datetimeFigureOut">
               <a:rPr lang="en-US" smtClean="0"/>
-              <a:t>11/10/22</a:t>
+              <a:t>5/23/23</a:t>
             </a:fld>
             <a:endParaRPr lang="en-US"/>
           </a:p>
@@ -1870,7 +2568,7 @@
           <a:p>
             <a:fld id="{6FD9776F-9BA3-C446-BC76-1E7B0EDEC55C}" type="datetimeFigureOut">
               <a:rPr lang="en-US" smtClean="0"/>
-              <a:t>11/10/22</a:t>
+              <a:t>5/23/23</a:t>
             </a:fld>
             <a:endParaRPr lang="en-US"/>
           </a:p>
@@ -2012,7 +2710,7 @@
           <a:p>
             <a:fld id="{6FD9776F-9BA3-C446-BC76-1E7B0EDEC55C}" type="datetimeFigureOut">
               <a:rPr lang="en-US" smtClean="0"/>
-              <a:t>11/10/22</a:t>
+              <a:t>5/23/23</a:t>
             </a:fld>
             <a:endParaRPr lang="en-US"/>
           </a:p>
@@ -2125,7 +2823,7 @@
           <a:p>
             <a:fld id="{6FD9776F-9BA3-C446-BC76-1E7B0EDEC55C}" type="datetimeFigureOut">
               <a:rPr lang="en-US" smtClean="0"/>
-              <a:t>11/10/22</a:t>
+              <a:t>5/23/23</a:t>
             </a:fld>
             <a:endParaRPr lang="en-US"/>
           </a:p>
@@ -2438,7 +3136,7 @@
           <a:p>
             <a:fld id="{6FD9776F-9BA3-C446-BC76-1E7B0EDEC55C}" type="datetimeFigureOut">
               <a:rPr lang="en-US" smtClean="0"/>
-              <a:t>11/10/22</a:t>
+              <a:t>5/23/23</a:t>
             </a:fld>
             <a:endParaRPr lang="en-US"/>
           </a:p>
@@ -2727,7 +3425,7 @@
           <a:p>
             <a:fld id="{6FD9776F-9BA3-C446-BC76-1E7B0EDEC55C}" type="datetimeFigureOut">
               <a:rPr lang="en-US" smtClean="0"/>
-              <a:t>11/10/22</a:t>
+              <a:t>5/23/23</a:t>
             </a:fld>
             <a:endParaRPr lang="en-US"/>
           </a:p>
@@ -2970,7 +3668,7 @@
           <a:p>
             <a:fld id="{6FD9776F-9BA3-C446-BC76-1E7B0EDEC55C}" type="datetimeFigureOut">
               <a:rPr lang="en-US" smtClean="0"/>
-              <a:t>11/10/22</a:t>
+              <a:t>5/23/23</a:t>
             </a:fld>
             <a:endParaRPr lang="en-US"/>
           </a:p>
@@ -3401,7 +4099,7 @@
         </p:nvSpPr>
         <p:spPr>
           <a:xfrm>
-            <a:off x="1055914" y="566057"/>
+            <a:off x="870857" y="358599"/>
             <a:ext cx="1594860" cy="523220"/>
           </a:xfrm>
           <a:prstGeom prst="rect">
@@ -3436,8 +4134,8 @@
         </p:nvSpPr>
         <p:spPr>
           <a:xfrm>
-            <a:off x="4495800" y="648517"/>
-            <a:ext cx="6096000" cy="2031325"/>
+            <a:off x="6324600" y="1983938"/>
+            <a:ext cx="5072743" cy="2585323"/>
           </a:xfrm>
           <a:prstGeom prst="rect">
             <a:avLst/>
@@ -3453,7 +4151,15 @@
             <a:pPr rtl="0"/>
             <a:r>
               <a:rPr lang="en-GB" dirty="0"/>
-              <a:t>"Tidy data" is a standardised format for </a:t>
+              <a:t>"Tidy data" is a </a:t>
+            </a:r>
+            <a:r>
+              <a:rPr lang="en-GB" b="1" dirty="0"/>
+              <a:t>standardised format </a:t>
+            </a:r>
+            <a:r>
+              <a:rPr lang="en-GB" dirty="0"/>
+              <a:t>for </a:t>
             </a:r>
             <a:r>
               <a:rPr lang="en-GB" dirty="0" err="1"/>
@@ -3461,16 +4167,16 @@
             </a:r>
             <a:r>
               <a:rPr lang="en-GB" dirty="0"/>
-              <a:t> which makes them easy to manage with standard approaches, and reduces the need to wrangle data into a new form for </a:t>
-            </a:r>
-            <a:r>
-              <a:rPr lang="en-GB" dirty="0" err="1"/>
-              <a:t>eaach</a:t>
-            </a:r>
-            <a:r>
-              <a:rPr lang="en-GB" dirty="0"/>
-              <a:t> new analysis/graph. </a:t>
-            </a:r>
+              <a:t> which makes them easy to manage with standard approaches, and reduces the need to wrangle data into a new form for each new analysis/graph. </a:t>
+            </a:r>
+          </a:p>
+          <a:p>
+            <a:pPr rtl="0"/>
+            <a:endParaRPr lang="en-GB" dirty="0"/>
+          </a:p>
+          <a:p>
+            <a:pPr rtl="0"/>
+            <a:endParaRPr lang="en-GB" dirty="0"/>
           </a:p>
           <a:p>
             <a:pPr rtl="0"/>
@@ -3505,8 +4211,8 @@
         </p:nvSpPr>
         <p:spPr>
           <a:xfrm>
-            <a:off x="1284514" y="3105834"/>
-            <a:ext cx="7924800" cy="646331"/>
+            <a:off x="761999" y="5676390"/>
+            <a:ext cx="10951030" cy="400110"/>
           </a:xfrm>
           <a:prstGeom prst="rect">
             <a:avLst/>
@@ -3520,7 +4226,7 @@
           <a:lstStyle/>
           <a:p>
             <a:r>
-              <a:rPr lang="en-GB" b="0" i="0" dirty="0">
+              <a:rPr lang="en-GB" sz="2000" b="0" i="0" dirty="0">
                 <a:solidFill>
                   <a:srgbClr val="212529"/>
                 </a:solidFill>
@@ -3529,14 +4235,390 @@
               </a:rPr>
               <a:t>“Tidy datasets are all alike, but every messy dataset is messy in its own way.” –– Hadley Wickham</a:t>
             </a:r>
-            <a:endParaRPr lang="en-US" dirty="0"/>
-          </a:p>
-        </p:txBody>
-      </p:sp>
+            <a:endParaRPr lang="en-US" sz="2000" dirty="0"/>
+          </a:p>
+        </p:txBody>
+      </p:sp>
+      <p:pic>
+        <p:nvPicPr>
+          <p:cNvPr id="2" name="Picture 5">
+            <a:extLst>
+              <a:ext uri="{FF2B5EF4-FFF2-40B4-BE49-F238E27FC236}">
+                <a16:creationId xmlns:a16="http://schemas.microsoft.com/office/drawing/2014/main" id="{4ED52ED6-800F-A55C-C474-51E9B3624ADE}"/>
+              </a:ext>
+            </a:extLst>
+          </p:cNvPr>
+          <p:cNvPicPr>
+            <a:picLocks noChangeAspect="1" noChangeArrowheads="1"/>
+          </p:cNvPicPr>
+          <p:nvPr/>
+        </p:nvPicPr>
+        <p:blipFill>
+          <a:blip r:embed="rId3">
+            <a:extLst>
+              <a:ext uri="{28A0092B-C50C-407E-A947-70E740481C1C}">
+                <a14:useLocalDpi xmlns:a14="http://schemas.microsoft.com/office/drawing/2010/main" val="0"/>
+              </a:ext>
+            </a:extLst>
+          </a:blip>
+          <a:srcRect/>
+          <a:stretch>
+            <a:fillRect/>
+          </a:stretch>
+        </p:blipFill>
+        <p:spPr bwMode="auto">
+          <a:xfrm>
+            <a:off x="0" y="1089277"/>
+            <a:ext cx="5867402" cy="4379655"/>
+          </a:xfrm>
+          <a:prstGeom prst="rect">
+            <a:avLst/>
+          </a:prstGeom>
+          <a:noFill/>
+          <a:ln>
+            <a:noFill/>
+          </a:ln>
+          <a:extLst>
+            <a:ext uri="{909E8E84-426E-40DD-AFC4-6F175D3DCCD1}">
+              <a14:hiddenFill xmlns:a14="http://schemas.microsoft.com/office/drawing/2010/main">
+                <a:solidFill>
+                  <a:srgbClr val="FFFFFF"/>
+                </a:solidFill>
+              </a14:hiddenFill>
+            </a:ext>
+            <a:ext uri="{91240B29-F687-4F45-9708-019B960494DF}">
+              <a14:hiddenLine xmlns:a14="http://schemas.microsoft.com/office/drawing/2010/main" w="9525">
+                <a:solidFill>
+                  <a:srgbClr val="000000"/>
+                </a:solidFill>
+                <a:miter lim="800000"/>
+                <a:headEnd/>
+                <a:tailEnd/>
+              </a14:hiddenLine>
+            </a:ext>
+          </a:extLst>
+        </p:spPr>
+      </p:pic>
     </p:spTree>
     <p:extLst>
       <p:ext uri="{BB962C8B-B14F-4D97-AF65-F5344CB8AC3E}">
         <p14:creationId xmlns:p14="http://schemas.microsoft.com/office/powerpoint/2010/main" val="2074289198"/>
+      </p:ext>
+    </p:extLst>
+  </p:cSld>
+  <p:clrMapOvr>
+    <a:masterClrMapping/>
+  </p:clrMapOvr>
+</p:sld>
+</file>
+
+<file path=ppt/slides/slide10.xml><?xml version="1.0" encoding="utf-8"?>
+<p:sld xmlns:a="http://schemas.openxmlformats.org/drawingml/2006/main" xmlns:r="http://schemas.openxmlformats.org/officeDocument/2006/relationships" xmlns:p="http://schemas.openxmlformats.org/presentationml/2006/main">
+  <p:cSld>
+    <p:spTree>
+      <p:nvGrpSpPr>
+        <p:cNvPr id="1" name=""/>
+        <p:cNvGrpSpPr/>
+        <p:nvPr/>
+      </p:nvGrpSpPr>
+      <p:grpSpPr>
+        <a:xfrm>
+          <a:off x="0" y="0"/>
+          <a:ext cx="0" cy="0"/>
+          <a:chOff x="0" y="0"/>
+          <a:chExt cx="0" cy="0"/>
+        </a:xfrm>
+      </p:grpSpPr>
+      <p:sp>
+        <p:nvSpPr>
+          <p:cNvPr id="4" name="TextBox 3">
+            <a:extLst>
+              <a:ext uri="{FF2B5EF4-FFF2-40B4-BE49-F238E27FC236}">
+                <a16:creationId xmlns:a16="http://schemas.microsoft.com/office/drawing/2014/main" id="{1B1A57DA-C0F7-FE1C-DFE1-6EBA6907C139}"/>
+              </a:ext>
+            </a:extLst>
+          </p:cNvPr>
+          <p:cNvSpPr txBox="1"/>
+          <p:nvPr/>
+        </p:nvSpPr>
+        <p:spPr>
+          <a:xfrm>
+            <a:off x="707694" y="620486"/>
+            <a:ext cx="1419556" cy="523220"/>
+          </a:xfrm>
+          <a:prstGeom prst="rect">
+            <a:avLst/>
+          </a:prstGeom>
+          <a:noFill/>
+        </p:spPr>
+        <p:txBody>
+          <a:bodyPr wrap="none" rtlCol="0">
+            <a:spAutoFit/>
+          </a:bodyPr>
+          <a:lstStyle/>
+          <a:p>
+            <a:r>
+              <a:rPr lang="en-US" sz="2800" b="1" dirty="0"/>
+              <a:t>Splitting</a:t>
+            </a:r>
+          </a:p>
+        </p:txBody>
+      </p:sp>
+      <p:pic>
+        <p:nvPicPr>
+          <p:cNvPr id="6" name="Picture 5">
+            <a:extLst>
+              <a:ext uri="{FF2B5EF4-FFF2-40B4-BE49-F238E27FC236}">
+                <a16:creationId xmlns:a16="http://schemas.microsoft.com/office/drawing/2014/main" id="{8FF18725-6E7D-DD6B-DAE7-12507D4C5A81}"/>
+              </a:ext>
+            </a:extLst>
+          </p:cNvPr>
+          <p:cNvPicPr>
+            <a:picLocks noChangeAspect="1"/>
+          </p:cNvPicPr>
+          <p:nvPr/>
+        </p:nvPicPr>
+        <p:blipFill>
+          <a:blip r:embed="rId2"/>
+          <a:stretch>
+            <a:fillRect/>
+          </a:stretch>
+        </p:blipFill>
+        <p:spPr>
+          <a:xfrm>
+            <a:off x="1844221" y="1143706"/>
+            <a:ext cx="7772400" cy="4930034"/>
+          </a:xfrm>
+          <a:prstGeom prst="rect">
+            <a:avLst/>
+          </a:prstGeom>
+        </p:spPr>
+      </p:pic>
+      <p:sp>
+        <p:nvSpPr>
+          <p:cNvPr id="8" name="TextBox 7">
+            <a:extLst>
+              <a:ext uri="{FF2B5EF4-FFF2-40B4-BE49-F238E27FC236}">
+                <a16:creationId xmlns:a16="http://schemas.microsoft.com/office/drawing/2014/main" id="{8A313887-7049-1FB9-6324-4319E27489BA}"/>
+              </a:ext>
+            </a:extLst>
+          </p:cNvPr>
+          <p:cNvSpPr txBox="1"/>
+          <p:nvPr/>
+        </p:nvSpPr>
+        <p:spPr>
+          <a:xfrm>
+            <a:off x="329878" y="6073740"/>
+            <a:ext cx="6099858" cy="369332"/>
+          </a:xfrm>
+          <a:prstGeom prst="rect">
+            <a:avLst/>
+          </a:prstGeom>
+          <a:noFill/>
+        </p:spPr>
+        <p:txBody>
+          <a:bodyPr wrap="square">
+            <a:spAutoFit/>
+          </a:bodyPr>
+          <a:lstStyle/>
+          <a:p>
+            <a:r>
+              <a:rPr lang="en-GB" dirty="0" err="1">
+                <a:solidFill>
+                  <a:srgbClr val="FF0000"/>
+                </a:solidFill>
+              </a:rPr>
+              <a:t>Series.str.split</a:t>
+            </a:r>
+            <a:r>
+              <a:rPr lang="en-GB" dirty="0">
+                <a:solidFill>
+                  <a:srgbClr val="FF0000"/>
+                </a:solidFill>
+              </a:rPr>
+              <a:t>()</a:t>
+            </a:r>
+            <a:r>
+              <a:rPr lang="en-GB" b="0" i="0" dirty="0">
+                <a:solidFill>
+                  <a:srgbClr val="FF0000"/>
+                </a:solidFill>
+                <a:effectLst/>
+                <a:latin typeface="Open Sans" panose="020B0606030504020204" pitchFamily="34" charset="0"/>
+              </a:rPr>
+              <a:t> </a:t>
+            </a:r>
+            <a:endParaRPr lang="en-US" dirty="0">
+              <a:solidFill>
+                <a:srgbClr val="FF0000"/>
+              </a:solidFill>
+            </a:endParaRPr>
+          </a:p>
+        </p:txBody>
+      </p:sp>
+    </p:spTree>
+    <p:extLst>
+      <p:ext uri="{BB962C8B-B14F-4D97-AF65-F5344CB8AC3E}">
+        <p14:creationId xmlns:p14="http://schemas.microsoft.com/office/powerpoint/2010/main" val="898206973"/>
+      </p:ext>
+    </p:extLst>
+  </p:cSld>
+  <p:clrMapOvr>
+    <a:masterClrMapping/>
+  </p:clrMapOvr>
+</p:sld>
+</file>
+
+<file path=ppt/slides/slide11.xml><?xml version="1.0" encoding="utf-8"?>
+<p:sld xmlns:a="http://schemas.openxmlformats.org/drawingml/2006/main" xmlns:r="http://schemas.openxmlformats.org/officeDocument/2006/relationships" xmlns:p="http://schemas.openxmlformats.org/presentationml/2006/main">
+  <p:cSld>
+    <p:spTree>
+      <p:nvGrpSpPr>
+        <p:cNvPr id="1" name=""/>
+        <p:cNvGrpSpPr/>
+        <p:nvPr/>
+      </p:nvGrpSpPr>
+      <p:grpSpPr>
+        <a:xfrm>
+          <a:off x="0" y="0"/>
+          <a:ext cx="0" cy="0"/>
+          <a:chOff x="0" y="0"/>
+          <a:chExt cx="0" cy="0"/>
+        </a:xfrm>
+      </p:grpSpPr>
+      <p:sp>
+        <p:nvSpPr>
+          <p:cNvPr id="5" name="TextBox 4">
+            <a:extLst>
+              <a:ext uri="{FF2B5EF4-FFF2-40B4-BE49-F238E27FC236}">
+                <a16:creationId xmlns:a16="http://schemas.microsoft.com/office/drawing/2014/main" id="{0432FB2F-2120-34A5-6B4D-A15EDF95799F}"/>
+              </a:ext>
+            </a:extLst>
+          </p:cNvPr>
+          <p:cNvSpPr txBox="1"/>
+          <p:nvPr/>
+        </p:nvSpPr>
+        <p:spPr>
+          <a:xfrm>
+            <a:off x="260431" y="6383966"/>
+            <a:ext cx="6099858" cy="369332"/>
+          </a:xfrm>
+          <a:prstGeom prst="rect">
+            <a:avLst/>
+          </a:prstGeom>
+          <a:noFill/>
+        </p:spPr>
+        <p:txBody>
+          <a:bodyPr wrap="square">
+            <a:spAutoFit/>
+          </a:bodyPr>
+          <a:lstStyle/>
+          <a:p>
+            <a:r>
+              <a:rPr lang="en-US" dirty="0"/>
+              <a:t>https://</a:t>
+            </a:r>
+            <a:r>
+              <a:rPr lang="en-US" dirty="0" err="1"/>
+              <a:t>pandas.pydata.org</a:t>
+            </a:r>
+            <a:r>
+              <a:rPr lang="en-US" dirty="0"/>
+              <a:t>/</a:t>
+            </a:r>
+            <a:r>
+              <a:rPr lang="en-US" dirty="0" err="1"/>
+              <a:t>Pandas_Cheat_Sheet.pdf</a:t>
+            </a:r>
+            <a:endParaRPr lang="en-US" dirty="0"/>
+          </a:p>
+        </p:txBody>
+      </p:sp>
+      <p:pic>
+        <p:nvPicPr>
+          <p:cNvPr id="7" name="Picture 6">
+            <a:extLst>
+              <a:ext uri="{FF2B5EF4-FFF2-40B4-BE49-F238E27FC236}">
+                <a16:creationId xmlns:a16="http://schemas.microsoft.com/office/drawing/2014/main" id="{C946822D-529F-42CC-82A6-04BFA40FBC3F}"/>
+              </a:ext>
+            </a:extLst>
+          </p:cNvPr>
+          <p:cNvPicPr>
+            <a:picLocks noChangeAspect="1"/>
+          </p:cNvPicPr>
+          <p:nvPr/>
+        </p:nvPicPr>
+        <p:blipFill>
+          <a:blip r:embed="rId2"/>
+          <a:stretch>
+            <a:fillRect/>
+          </a:stretch>
+        </p:blipFill>
+        <p:spPr>
+          <a:xfrm>
+            <a:off x="2279247" y="630820"/>
+            <a:ext cx="7167267" cy="5596359"/>
+          </a:xfrm>
+          <a:prstGeom prst="rect">
+            <a:avLst/>
+          </a:prstGeom>
+        </p:spPr>
+      </p:pic>
+      <p:sp>
+        <p:nvSpPr>
+          <p:cNvPr id="11" name="TextBox 10">
+            <a:extLst>
+              <a:ext uri="{FF2B5EF4-FFF2-40B4-BE49-F238E27FC236}">
+                <a16:creationId xmlns:a16="http://schemas.microsoft.com/office/drawing/2014/main" id="{02F1683B-3A04-E9AC-2E2A-05A233DF2751}"/>
+              </a:ext>
+            </a:extLst>
+          </p:cNvPr>
+          <p:cNvSpPr txBox="1"/>
+          <p:nvPr/>
+        </p:nvSpPr>
+        <p:spPr>
+          <a:xfrm>
+            <a:off x="109960" y="183095"/>
+            <a:ext cx="6099858" cy="369332"/>
+          </a:xfrm>
+          <a:prstGeom prst="rect">
+            <a:avLst/>
+          </a:prstGeom>
+          <a:noFill/>
+        </p:spPr>
+        <p:txBody>
+          <a:bodyPr wrap="square">
+            <a:spAutoFit/>
+          </a:bodyPr>
+          <a:lstStyle/>
+          <a:p>
+            <a:r>
+              <a:rPr lang="en-US" dirty="0"/>
+              <a:t>https://</a:t>
+            </a:r>
+            <a:r>
+              <a:rPr lang="en-US" dirty="0" err="1"/>
+              <a:t>pandas.pydata.org</a:t>
+            </a:r>
+            <a:r>
+              <a:rPr lang="en-US" dirty="0"/>
+              <a:t>/docs/</a:t>
+            </a:r>
+            <a:r>
+              <a:rPr lang="en-US" dirty="0" err="1"/>
+              <a:t>user_guide</a:t>
+            </a:r>
+            <a:r>
+              <a:rPr lang="en-US" dirty="0"/>
+              <a:t>/10min.html#min</a:t>
+            </a:r>
+          </a:p>
+        </p:txBody>
+      </p:sp>
+    </p:spTree>
+    <p:extLst>
+      <p:ext uri="{BB962C8B-B14F-4D97-AF65-F5344CB8AC3E}">
+        <p14:creationId xmlns:p14="http://schemas.microsoft.com/office/powerpoint/2010/main" val="2948972706"/>
       </p:ext>
     </p:extLst>
   </p:cSld>
@@ -3639,7 +4721,7 @@
         </p:blipFill>
         <p:spPr bwMode="auto">
           <a:xfrm>
-            <a:off x="5402035" y="969248"/>
+            <a:off x="4923064" y="1720363"/>
             <a:ext cx="6388100" cy="3840375"/>
           </a:xfrm>
           <a:prstGeom prst="rect">
@@ -3688,53 +4770,6 @@
           <a:xfrm>
             <a:off x="401865" y="2761246"/>
             <a:ext cx="6495369" cy="3855454"/>
-          </a:xfrm>
-          <a:prstGeom prst="rect">
-            <a:avLst/>
-          </a:prstGeom>
-          <a:noFill/>
-          <a:extLst>
-            <a:ext uri="{909E8E84-426E-40DD-AFC4-6F175D3DCCD1}">
-              <a14:hiddenFill xmlns:a14="http://schemas.microsoft.com/office/drawing/2010/main">
-                <a:solidFill>
-                  <a:srgbClr val="FFFFFF"/>
-                </a:solidFill>
-              </a14:hiddenFill>
-            </a:ext>
-          </a:extLst>
-        </p:spPr>
-      </p:pic>
-      <p:pic>
-        <p:nvPicPr>
-          <p:cNvPr id="2" name="Picture 2" descr="xkcd: .NORM Normal File Format">
-            <a:extLst>
-              <a:ext uri="{FF2B5EF4-FFF2-40B4-BE49-F238E27FC236}">
-                <a16:creationId xmlns:a16="http://schemas.microsoft.com/office/drawing/2014/main" id="{D817828C-3BCC-886A-7B89-5D4EDF18EE86}"/>
-              </a:ext>
-            </a:extLst>
-          </p:cNvPr>
-          <p:cNvPicPr>
-            <a:picLocks noChangeAspect="1" noChangeArrowheads="1"/>
-          </p:cNvPicPr>
-          <p:nvPr/>
-        </p:nvPicPr>
-        <p:blipFill>
-          <a:blip r:embed="rId5">
-            <a:extLst>
-              <a:ext uri="{28A0092B-C50C-407E-A947-70E740481C1C}">
-                <a14:useLocalDpi xmlns:a14="http://schemas.microsoft.com/office/drawing/2010/main" val="0"/>
-              </a:ext>
-            </a:extLst>
-          </a:blip>
-          <a:srcRect/>
-          <a:stretch>
-            <a:fillRect/>
-          </a:stretch>
-        </p:blipFill>
-        <p:spPr bwMode="auto">
-          <a:xfrm>
-            <a:off x="8826321" y="2640596"/>
-            <a:ext cx="2621164" cy="4096754"/>
           </a:xfrm>
           <a:prstGeom prst="rect">
             <a:avLst/>
@@ -3781,12 +4816,59 @@
           <a:chExt cx="0" cy="0"/>
         </a:xfrm>
       </p:grpSpPr>
-      <p:sp>
-        <p:nvSpPr>
-          <p:cNvPr id="5" name="TextBox 4">
-            <a:extLst>
-              <a:ext uri="{FF2B5EF4-FFF2-40B4-BE49-F238E27FC236}">
-                <a16:creationId xmlns:a16="http://schemas.microsoft.com/office/drawing/2014/main" id="{8BECD741-488F-3188-5DCE-B47FF2B85E56}"/>
+      <p:pic>
+        <p:nvPicPr>
+          <p:cNvPr id="4" name="Picture 2" descr="xkcd: .NORM Normal File Format">
+            <a:extLst>
+              <a:ext uri="{FF2B5EF4-FFF2-40B4-BE49-F238E27FC236}">
+                <a16:creationId xmlns:a16="http://schemas.microsoft.com/office/drawing/2014/main" id="{E4282D0F-9556-C049-C95C-DB360C10247E}"/>
+              </a:ext>
+            </a:extLst>
+          </p:cNvPr>
+          <p:cNvPicPr>
+            <a:picLocks noChangeAspect="1" noChangeArrowheads="1"/>
+          </p:cNvPicPr>
+          <p:nvPr/>
+        </p:nvPicPr>
+        <p:blipFill>
+          <a:blip r:embed="rId2">
+            <a:extLst>
+              <a:ext uri="{28A0092B-C50C-407E-A947-70E740481C1C}">
+                <a14:useLocalDpi xmlns:a14="http://schemas.microsoft.com/office/drawing/2010/main" val="0"/>
+              </a:ext>
+            </a:extLst>
+          </a:blip>
+          <a:srcRect/>
+          <a:stretch>
+            <a:fillRect/>
+          </a:stretch>
+        </p:blipFill>
+        <p:spPr bwMode="auto">
+          <a:xfrm>
+            <a:off x="7956902" y="443058"/>
+            <a:ext cx="3941184" cy="6159882"/>
+          </a:xfrm>
+          <a:prstGeom prst="rect">
+            <a:avLst/>
+          </a:prstGeom>
+          <a:noFill/>
+          <a:extLst>
+            <a:ext uri="{909E8E84-426E-40DD-AFC4-6F175D3DCCD1}">
+              <a14:hiddenFill xmlns:a14="http://schemas.microsoft.com/office/drawing/2010/main">
+                <a:solidFill>
+                  <a:srgbClr val="FFFFFF"/>
+                </a:solidFill>
+              </a14:hiddenFill>
+            </a:ext>
+          </a:extLst>
+        </p:spPr>
+      </p:pic>
+      <p:sp>
+        <p:nvSpPr>
+          <p:cNvPr id="7" name="TextBox 6">
+            <a:extLst>
+              <a:ext uri="{FF2B5EF4-FFF2-40B4-BE49-F238E27FC236}">
+                <a16:creationId xmlns:a16="http://schemas.microsoft.com/office/drawing/2014/main" id="{345C7C95-8752-4BD8-B9E5-15AE6165A817}"/>
               </a:ext>
             </a:extLst>
           </p:cNvPr>
@@ -3795,8 +4877,8 @@
         </p:nvSpPr>
         <p:spPr>
           <a:xfrm>
-            <a:off x="936171" y="304800"/>
-            <a:ext cx="8719457" cy="1477328"/>
+            <a:off x="451479" y="455050"/>
+            <a:ext cx="8719457" cy="1200329"/>
           </a:xfrm>
           <a:prstGeom prst="rect">
             <a:avLst/>
@@ -3813,15 +4895,15 @@
               <a:rPr lang="en-GB" dirty="0"/>
               <a:t>A dataset is a collection of </a:t>
             </a:r>
-          </a:p>
-          <a:p>
             <a:r>
               <a:rPr lang="en-GB" b="1" dirty="0"/>
-              <a:t>values</a:t>
-            </a:r>
+              <a:t>values.</a:t>
+            </a:r>
+          </a:p>
+          <a:p>
             <a:r>
               <a:rPr lang="en-GB" dirty="0"/>
-              <a:t>, usually either numbers (if quantitative) or strings (if qualitative). Values are organised in two ways. </a:t>
+              <a:t>Values are organised in two ways. </a:t>
             </a:r>
           </a:p>
           <a:p>
@@ -3853,10 +4935,10 @@
       </p:sp>
       <p:sp>
         <p:nvSpPr>
-          <p:cNvPr id="6" name="TextBox 5">
-            <a:extLst>
-              <a:ext uri="{FF2B5EF4-FFF2-40B4-BE49-F238E27FC236}">
-                <a16:creationId xmlns:a16="http://schemas.microsoft.com/office/drawing/2014/main" id="{0CDF8BC1-C33E-81D9-E92F-C6C896B44798}"/>
+          <p:cNvPr id="8" name="TextBox 7">
+            <a:extLst>
+              <a:ext uri="{FF2B5EF4-FFF2-40B4-BE49-F238E27FC236}">
+                <a16:creationId xmlns:a16="http://schemas.microsoft.com/office/drawing/2014/main" id="{6A97B9B5-FB2F-1924-9680-726E1F0D08D9}"/>
               </a:ext>
             </a:extLst>
           </p:cNvPr>
@@ -3865,8 +4947,8 @@
         </p:nvSpPr>
         <p:spPr>
           <a:xfrm>
-            <a:off x="936171" y="2274838"/>
-            <a:ext cx="6096000" cy="2308324"/>
+            <a:off x="451479" y="2044005"/>
+            <a:ext cx="7217229" cy="3970318"/>
           </a:xfrm>
           <a:prstGeom prst="rect">
             <a:avLst/>
@@ -3882,15 +4964,36 @@
             <a:pPr rtl="0"/>
             <a:r>
               <a:rPr lang="en-GB" dirty="0"/>
-              <a:t>A value is a single piece of data (name of a gene, number of introns in a gene, expression level </a:t>
-            </a:r>
-            <a:r>
-              <a:rPr lang="en-GB" dirty="0" err="1"/>
-              <a:t>ina</a:t>
+              <a:t>A </a:t>
+            </a:r>
+            <a:r>
+              <a:rPr lang="en-GB" b="1" dirty="0"/>
+              <a:t>value</a:t>
             </a:r>
             <a:r>
               <a:rPr lang="en-GB" dirty="0"/>
-              <a:t>. specific experiment).</a:t>
+              <a:t> is a single piece of data:</a:t>
+            </a:r>
+          </a:p>
+          <a:p>
+            <a:pPr rtl="0"/>
+            <a:r>
+              <a:rPr lang="en-GB" dirty="0"/>
+              <a:t>A measure of daytime temperature </a:t>
+            </a:r>
+          </a:p>
+          <a:p>
+            <a:pPr rtl="0"/>
+            <a:r>
+              <a:rPr lang="en-GB" dirty="0"/>
+              <a:t>The expression level of a gene</a:t>
+            </a:r>
+          </a:p>
+          <a:p>
+            <a:pPr rtl="0"/>
+            <a:r>
+              <a:rPr lang="en-GB" dirty="0"/>
+              <a:t>Barnacle counts at a specific location</a:t>
             </a:r>
             <a:br>
               <a:rPr lang="en-GB" dirty="0"/>
@@ -3901,7 +5004,40 @@
             <a:pPr rtl="0"/>
             <a:r>
               <a:rPr lang="en-GB" dirty="0"/>
-              <a:t>A variable contains all values that measure the same underlying attribute (like height, temperature, duration) across units.</a:t>
+              <a:t>A </a:t>
+            </a:r>
+            <a:r>
+              <a:rPr lang="en-GB" b="1" dirty="0"/>
+              <a:t>variable</a:t>
+            </a:r>
+            <a:r>
+              <a:rPr lang="en-GB" dirty="0"/>
+              <a:t> contains all values that measure the same underlying attribute:</a:t>
+            </a:r>
+          </a:p>
+          <a:p>
+            <a:pPr rtl="0"/>
+            <a:r>
+              <a:rPr lang="en-GB" dirty="0"/>
+              <a:t>List of daytime temperatures across Scandinavia</a:t>
+            </a:r>
+          </a:p>
+          <a:p>
+            <a:pPr rtl="0"/>
+            <a:r>
+              <a:rPr lang="en-GB" dirty="0" err="1"/>
+              <a:t>RNASeq</a:t>
+            </a:r>
+            <a:r>
+              <a:rPr lang="en-GB" dirty="0"/>
+              <a:t> values in replicate 1</a:t>
+            </a:r>
+          </a:p>
+          <a:p>
+            <a:pPr rtl="0"/>
+            <a:r>
+              <a:rPr lang="en-GB" dirty="0"/>
+              <a:t>Species counts along a single transect</a:t>
             </a:r>
             <a:br>
               <a:rPr lang="en-GB" dirty="0"/>
@@ -3912,15 +5048,61 @@
             <a:pPr rtl="0"/>
             <a:r>
               <a:rPr lang="en-GB" dirty="0"/>
-              <a:t>An observation contains all values measured on the same unit (like a person, or a day, or a city) across attributes. </a:t>
-            </a:r>
+              <a:t>An </a:t>
+            </a:r>
+            <a:r>
+              <a:rPr lang="en-GB" b="1" dirty="0"/>
+              <a:t>observation</a:t>
+            </a:r>
+            <a:r>
+              <a:rPr lang="en-GB" dirty="0"/>
+              <a:t> contains all values measured on the same unit:</a:t>
+            </a:r>
+          </a:p>
+          <a:p>
+            <a:pPr rtl="0"/>
+            <a:r>
+              <a:rPr lang="en-GB" dirty="0"/>
+              <a:t>Oslo metrological station temperature data</a:t>
+            </a:r>
+          </a:p>
+          <a:p>
+            <a:pPr rtl="0"/>
+            <a:r>
+              <a:rPr lang="en-GB" dirty="0"/>
+              <a:t>The </a:t>
+            </a:r>
+            <a:r>
+              <a:rPr lang="en-GB" dirty="0" err="1"/>
+              <a:t>phantastica</a:t>
+            </a:r>
+            <a:r>
+              <a:rPr lang="en-GB" dirty="0"/>
+              <a:t> gene</a:t>
+            </a:r>
+          </a:p>
+          <a:p>
+            <a:pPr rtl="0"/>
+            <a:r>
+              <a:rPr lang="en-GB" i="1" dirty="0" err="1"/>
+              <a:t>Semibalanus</a:t>
+            </a:r>
+            <a:r>
+              <a:rPr lang="en-GB" i="1" dirty="0"/>
+              <a:t> </a:t>
+            </a:r>
+            <a:r>
+              <a:rPr lang="en-GB" i="1" dirty="0" err="1"/>
+              <a:t>balanoides</a:t>
+            </a:r>
+            <a:endParaRPr lang="en-GB" i="1" dirty="0"/>
           </a:p>
         </p:txBody>
       </p:sp>
     </p:spTree>
     <p:extLst>
       <p:ext uri="{BB962C8B-B14F-4D97-AF65-F5344CB8AC3E}">
-        <p14:creationId xmlns:p14="http://schemas.microsoft.com/office/powerpoint/2010/main" val="2579521832"/>
+        <p14:creationId xmlns:p14="http://schemas.microsoft.com/office/powerpoint/2010/main" val="3507873521"/>
       </p:ext>
     </p:extLst>
   </p:cSld>
@@ -3962,7 +5144,7 @@
         <p:spPr>
           <a:xfrm>
             <a:off x="2155370" y="4003204"/>
-            <a:ext cx="6096000" cy="923330"/>
+            <a:ext cx="6096000" cy="1200329"/>
           </a:xfrm>
           <a:prstGeom prst="rect">
             <a:avLst/>
@@ -3980,7 +5162,7 @@
               <a:buAutoNum type="arabicPeriod"/>
             </a:pPr>
             <a:r>
-              <a:rPr lang="en-GB" b="0" i="0" dirty="0">
+              <a:rPr lang="en-GB" sz="2400" b="0" i="0" dirty="0">
                 <a:solidFill>
                   <a:srgbClr val="212529"/>
                 </a:solidFill>
@@ -3996,7 +5178,7 @@
               <a:buAutoNum type="arabicPeriod"/>
             </a:pPr>
             <a:r>
-              <a:rPr lang="en-GB" b="0" i="0" dirty="0">
+              <a:rPr lang="en-GB" sz="2400" b="0" i="0" dirty="0">
                 <a:solidFill>
                   <a:srgbClr val="212529"/>
                 </a:solidFill>
@@ -4012,7 +5194,7 @@
               <a:buAutoNum type="arabicPeriod"/>
             </a:pPr>
             <a:r>
-              <a:rPr lang="en-GB" b="0" i="0" dirty="0">
+              <a:rPr lang="en-GB" sz="2400" b="0" i="0" dirty="0">
                 <a:solidFill>
                   <a:srgbClr val="212529"/>
                 </a:solidFill>
@@ -4075,6 +5257,868 @@
     <p:extLst>
       <p:ext uri="{BB962C8B-B14F-4D97-AF65-F5344CB8AC3E}">
         <p14:creationId xmlns:p14="http://schemas.microsoft.com/office/powerpoint/2010/main" val="3193205215"/>
+      </p:ext>
+    </p:extLst>
+  </p:cSld>
+  <p:clrMapOvr>
+    <a:masterClrMapping/>
+  </p:clrMapOvr>
+</p:sld>
+</file>
+
+<file path=ppt/slides/slide5.xml><?xml version="1.0" encoding="utf-8"?>
+<p:sld xmlns:a="http://schemas.openxmlformats.org/drawingml/2006/main" xmlns:r="http://schemas.openxmlformats.org/officeDocument/2006/relationships" xmlns:p="http://schemas.openxmlformats.org/presentationml/2006/main">
+  <p:cSld>
+    <p:spTree>
+      <p:nvGrpSpPr>
+        <p:cNvPr id="1" name=""/>
+        <p:cNvGrpSpPr/>
+        <p:nvPr/>
+      </p:nvGrpSpPr>
+      <p:grpSpPr>
+        <a:xfrm>
+          <a:off x="0" y="0"/>
+          <a:ext cx="0" cy="0"/>
+          <a:chOff x="0" y="0"/>
+          <a:chExt cx="0" cy="0"/>
+        </a:xfrm>
+      </p:grpSpPr>
+      <p:pic>
+        <p:nvPicPr>
+          <p:cNvPr id="3074" name="Picture 2" descr="The wide versus tidy data format for time-dependent data. In the wide... |  Download Scientific Diagram">
+            <a:extLst>
+              <a:ext uri="{FF2B5EF4-FFF2-40B4-BE49-F238E27FC236}">
+                <a16:creationId xmlns:a16="http://schemas.microsoft.com/office/drawing/2014/main" id="{1427659B-B139-7B3A-2E9B-23B6CD32E881}"/>
+              </a:ext>
+            </a:extLst>
+          </p:cNvPr>
+          <p:cNvPicPr>
+            <a:picLocks noChangeAspect="1" noChangeArrowheads="1"/>
+          </p:cNvPicPr>
+          <p:nvPr/>
+        </p:nvPicPr>
+        <p:blipFill>
+          <a:blip r:embed="rId2">
+            <a:extLst>
+              <a:ext uri="{28A0092B-C50C-407E-A947-70E740481C1C}">
+                <a14:useLocalDpi xmlns:a14="http://schemas.microsoft.com/office/drawing/2010/main" val="0"/>
+              </a:ext>
+            </a:extLst>
+          </a:blip>
+          <a:srcRect/>
+          <a:stretch>
+            <a:fillRect/>
+          </a:stretch>
+        </p:blipFill>
+        <p:spPr bwMode="auto">
+          <a:xfrm>
+            <a:off x="354692" y="337829"/>
+            <a:ext cx="3847194" cy="3086902"/>
+          </a:xfrm>
+          <a:prstGeom prst="rect">
+            <a:avLst/>
+          </a:prstGeom>
+          <a:noFill/>
+          <a:extLst>
+            <a:ext uri="{909E8E84-426E-40DD-AFC4-6F175D3DCCD1}">
+              <a14:hiddenFill xmlns:a14="http://schemas.microsoft.com/office/drawing/2010/main">
+                <a:solidFill>
+                  <a:srgbClr val="FFFFFF"/>
+                </a:solidFill>
+              </a14:hiddenFill>
+            </a:ext>
+          </a:extLst>
+        </p:spPr>
+      </p:pic>
+      <p:pic>
+        <p:nvPicPr>
+          <p:cNvPr id="4" name="Picture 2">
+            <a:extLst>
+              <a:ext uri="{FF2B5EF4-FFF2-40B4-BE49-F238E27FC236}">
+                <a16:creationId xmlns:a16="http://schemas.microsoft.com/office/drawing/2014/main" id="{64EB26FD-DCE3-1440-4439-8C8F59F41786}"/>
+              </a:ext>
+            </a:extLst>
+          </p:cNvPr>
+          <p:cNvPicPr>
+            <a:picLocks noChangeAspect="1" noChangeArrowheads="1"/>
+          </p:cNvPicPr>
+          <p:nvPr/>
+        </p:nvPicPr>
+        <p:blipFill rotWithShape="1">
+          <a:blip r:embed="rId3">
+            <a:extLst>
+              <a:ext uri="{28A0092B-C50C-407E-A947-70E740481C1C}">
+                <a14:useLocalDpi xmlns:a14="http://schemas.microsoft.com/office/drawing/2010/main" val="0"/>
+              </a:ext>
+            </a:extLst>
+          </a:blip>
+          <a:srcRect l="6340" t="14858" r="12832" b="29518"/>
+          <a:stretch/>
+        </p:blipFill>
+        <p:spPr bwMode="auto">
+          <a:xfrm>
+            <a:off x="5442857" y="247071"/>
+            <a:ext cx="6394451" cy="2474359"/>
+          </a:xfrm>
+          <a:prstGeom prst="rect">
+            <a:avLst/>
+          </a:prstGeom>
+          <a:noFill/>
+          <a:extLst>
+            <a:ext uri="{909E8E84-426E-40DD-AFC4-6F175D3DCCD1}">
+              <a14:hiddenFill xmlns:a14="http://schemas.microsoft.com/office/drawing/2010/main">
+                <a:solidFill>
+                  <a:srgbClr val="FFFFFF"/>
+                </a:solidFill>
+              </a14:hiddenFill>
+            </a:ext>
+          </a:extLst>
+        </p:spPr>
+      </p:pic>
+      <p:pic>
+        <p:nvPicPr>
+          <p:cNvPr id="3076" name="Picture 4" descr="Chapter 3 Wrangling Data in the Tidyverse | Tidyverse Skills for Data  Science">
+            <a:extLst>
+              <a:ext uri="{FF2B5EF4-FFF2-40B4-BE49-F238E27FC236}">
+                <a16:creationId xmlns:a16="http://schemas.microsoft.com/office/drawing/2014/main" id="{486E750B-974E-9462-4E88-C02F57267967}"/>
+              </a:ext>
+            </a:extLst>
+          </p:cNvPr>
+          <p:cNvPicPr>
+            <a:picLocks noChangeAspect="1" noChangeArrowheads="1"/>
+          </p:cNvPicPr>
+          <p:nvPr/>
+        </p:nvPicPr>
+        <p:blipFill rotWithShape="1">
+          <a:blip r:embed="rId4">
+            <a:extLst>
+              <a:ext uri="{28A0092B-C50C-407E-A947-70E740481C1C}">
+                <a14:useLocalDpi xmlns:a14="http://schemas.microsoft.com/office/drawing/2010/main" val="0"/>
+              </a:ext>
+            </a:extLst>
+          </a:blip>
+          <a:srcRect t="9786" r="849" b="27201"/>
+          <a:stretch/>
+        </p:blipFill>
+        <p:spPr bwMode="auto">
+          <a:xfrm>
+            <a:off x="5239440" y="2785817"/>
+            <a:ext cx="6801283" cy="2701508"/>
+          </a:xfrm>
+          <a:prstGeom prst="rect">
+            <a:avLst/>
+          </a:prstGeom>
+          <a:noFill/>
+          <a:extLst>
+            <a:ext uri="{909E8E84-426E-40DD-AFC4-6F175D3DCCD1}">
+              <a14:hiddenFill xmlns:a14="http://schemas.microsoft.com/office/drawing/2010/main">
+                <a:solidFill>
+                  <a:srgbClr val="FFFFFF"/>
+                </a:solidFill>
+              </a14:hiddenFill>
+            </a:ext>
+          </a:extLst>
+        </p:spPr>
+      </p:pic>
+      <p:pic>
+        <p:nvPicPr>
+          <p:cNvPr id="3078" name="Picture 6" descr="An example of tidy BES output data representation using Tidy data... |  Download Scientific Diagram">
+            <a:extLst>
+              <a:ext uri="{FF2B5EF4-FFF2-40B4-BE49-F238E27FC236}">
+                <a16:creationId xmlns:a16="http://schemas.microsoft.com/office/drawing/2014/main" id="{81529206-71CA-070D-56B2-84FB398BE6C2}"/>
+              </a:ext>
+            </a:extLst>
+          </p:cNvPr>
+          <p:cNvPicPr>
+            <a:picLocks noChangeAspect="1" noChangeArrowheads="1"/>
+          </p:cNvPicPr>
+          <p:nvPr/>
+        </p:nvPicPr>
+        <p:blipFill>
+          <a:blip r:embed="rId5">
+            <a:extLst>
+              <a:ext uri="{28A0092B-C50C-407E-A947-70E740481C1C}">
+                <a14:useLocalDpi xmlns:a14="http://schemas.microsoft.com/office/drawing/2010/main" val="0"/>
+              </a:ext>
+            </a:extLst>
+          </a:blip>
+          <a:srcRect/>
+          <a:stretch>
+            <a:fillRect/>
+          </a:stretch>
+        </p:blipFill>
+        <p:spPr bwMode="auto">
+          <a:xfrm>
+            <a:off x="164533" y="3526601"/>
+            <a:ext cx="4556130" cy="3189513"/>
+          </a:xfrm>
+          <a:prstGeom prst="rect">
+            <a:avLst/>
+          </a:prstGeom>
+          <a:noFill/>
+          <a:extLst>
+            <a:ext uri="{909E8E84-426E-40DD-AFC4-6F175D3DCCD1}">
+              <a14:hiddenFill xmlns:a14="http://schemas.microsoft.com/office/drawing/2010/main">
+                <a:solidFill>
+                  <a:srgbClr val="FFFFFF"/>
+                </a:solidFill>
+              </a14:hiddenFill>
+            </a:ext>
+          </a:extLst>
+        </p:spPr>
+      </p:pic>
+    </p:spTree>
+    <p:extLst>
+      <p:ext uri="{BB962C8B-B14F-4D97-AF65-F5344CB8AC3E}">
+        <p14:creationId xmlns:p14="http://schemas.microsoft.com/office/powerpoint/2010/main" val="2393669509"/>
+      </p:ext>
+    </p:extLst>
+  </p:cSld>
+  <p:clrMapOvr>
+    <a:masterClrMapping/>
+  </p:clrMapOvr>
+</p:sld>
+</file>
+
+<file path=ppt/slides/slide6.xml><?xml version="1.0" encoding="utf-8"?>
+<p:sld xmlns:a="http://schemas.openxmlformats.org/drawingml/2006/main" xmlns:r="http://schemas.openxmlformats.org/officeDocument/2006/relationships" xmlns:p="http://schemas.openxmlformats.org/presentationml/2006/main">
+  <p:cSld>
+    <p:spTree>
+      <p:nvGrpSpPr>
+        <p:cNvPr id="1" name=""/>
+        <p:cNvGrpSpPr/>
+        <p:nvPr/>
+      </p:nvGrpSpPr>
+      <p:grpSpPr>
+        <a:xfrm>
+          <a:off x="0" y="0"/>
+          <a:ext cx="0" cy="0"/>
+          <a:chOff x="0" y="0"/>
+          <a:chExt cx="0" cy="0"/>
+        </a:xfrm>
+      </p:grpSpPr>
+      <p:sp>
+        <p:nvSpPr>
+          <p:cNvPr id="5" name="TextBox 4">
+            <a:extLst>
+              <a:ext uri="{FF2B5EF4-FFF2-40B4-BE49-F238E27FC236}">
+                <a16:creationId xmlns:a16="http://schemas.microsoft.com/office/drawing/2014/main" id="{9CBB94AE-0095-93B7-8929-93587197AA22}"/>
+              </a:ext>
+            </a:extLst>
+          </p:cNvPr>
+          <p:cNvSpPr txBox="1"/>
+          <p:nvPr/>
+        </p:nvSpPr>
+        <p:spPr>
+          <a:xfrm>
+            <a:off x="990599" y="689206"/>
+            <a:ext cx="10780853" cy="830997"/>
+          </a:xfrm>
+          <a:prstGeom prst="rect">
+            <a:avLst/>
+          </a:prstGeom>
+          <a:noFill/>
+        </p:spPr>
+        <p:txBody>
+          <a:bodyPr wrap="square">
+            <a:spAutoFit/>
+          </a:bodyPr>
+          <a:lstStyle/>
+          <a:p>
+            <a:r>
+              <a:rPr lang="en-GB" sz="2400" dirty="0"/>
+              <a:t>”</a:t>
+            </a:r>
+            <a:r>
+              <a:rPr lang="en-GB" sz="2400" i="1" dirty="0"/>
+              <a:t>It is surprisingly difficult to precisely define variables and observations in general</a:t>
+            </a:r>
+            <a:r>
+              <a:rPr lang="en-GB" sz="2400" dirty="0"/>
+              <a:t>.” Wickham 2014</a:t>
+            </a:r>
+            <a:endParaRPr lang="en-US" sz="2400" dirty="0"/>
+          </a:p>
+        </p:txBody>
+      </p:sp>
+      <p:sp>
+        <p:nvSpPr>
+          <p:cNvPr id="7" name="TextBox 6">
+            <a:extLst>
+              <a:ext uri="{FF2B5EF4-FFF2-40B4-BE49-F238E27FC236}">
+                <a16:creationId xmlns:a16="http://schemas.microsoft.com/office/drawing/2014/main" id="{3B907739-C46D-D273-33EB-9E5905023EC0}"/>
+              </a:ext>
+            </a:extLst>
+          </p:cNvPr>
+          <p:cNvSpPr txBox="1"/>
+          <p:nvPr/>
+        </p:nvSpPr>
+        <p:spPr>
+          <a:xfrm>
+            <a:off x="484620" y="2386658"/>
+            <a:ext cx="8061905" cy="2246769"/>
+          </a:xfrm>
+          <a:prstGeom prst="rect">
+            <a:avLst/>
+          </a:prstGeom>
+          <a:noFill/>
+        </p:spPr>
+        <p:txBody>
+          <a:bodyPr wrap="square">
+            <a:spAutoFit/>
+          </a:bodyPr>
+          <a:lstStyle/>
+          <a:p>
+            <a:r>
+              <a:rPr lang="en-GB" sz="2000" dirty="0"/>
+              <a:t>One way of organizing variables is by their role in the analysis: are values fixed by the design of the data collection, or are they measured during the course of the experiment? </a:t>
+            </a:r>
+          </a:p>
+          <a:p>
+            <a:endParaRPr lang="en-GB" sz="2000" dirty="0"/>
+          </a:p>
+          <a:p>
+            <a:r>
+              <a:rPr lang="en-GB" sz="2000" b="1" dirty="0"/>
+              <a:t>Measured variables are what we actually measure in the study</a:t>
+            </a:r>
+            <a:r>
+              <a:rPr lang="en-GB" sz="2000" dirty="0"/>
+              <a:t>.</a:t>
+            </a:r>
+          </a:p>
+          <a:p>
+            <a:r>
+              <a:rPr lang="en-GB" sz="2000" dirty="0"/>
+              <a:t>Fixed variables should come first, followed by measured variables, each ordered so that related variables are contiguous</a:t>
+            </a:r>
+            <a:endParaRPr lang="en-US" sz="2000" dirty="0"/>
+          </a:p>
+        </p:txBody>
+      </p:sp>
+      <p:sp>
+        <p:nvSpPr>
+          <p:cNvPr id="9" name="TextBox 8">
+            <a:extLst>
+              <a:ext uri="{FF2B5EF4-FFF2-40B4-BE49-F238E27FC236}">
+                <a16:creationId xmlns:a16="http://schemas.microsoft.com/office/drawing/2014/main" id="{551E97FC-5685-2169-A0A9-E653B719AB8F}"/>
+              </a:ext>
+            </a:extLst>
+          </p:cNvPr>
+          <p:cNvSpPr txBox="1"/>
+          <p:nvPr/>
+        </p:nvSpPr>
+        <p:spPr>
+          <a:xfrm>
+            <a:off x="2956505" y="5499882"/>
+            <a:ext cx="6096000" cy="830997"/>
+          </a:xfrm>
+          <a:prstGeom prst="rect">
+            <a:avLst/>
+          </a:prstGeom>
+          <a:noFill/>
+        </p:spPr>
+        <p:txBody>
+          <a:bodyPr wrap="square">
+            <a:spAutoFit/>
+          </a:bodyPr>
+          <a:lstStyle/>
+          <a:p>
+            <a:r>
+              <a:rPr lang="en-GB" sz="2400" b="1" dirty="0"/>
+              <a:t>Tidy data is only worthwhile if it makes analysis easier</a:t>
+            </a:r>
+            <a:endParaRPr lang="en-US" sz="2400" b="1" dirty="0"/>
+          </a:p>
+        </p:txBody>
+      </p:sp>
+    </p:spTree>
+    <p:extLst>
+      <p:ext uri="{BB962C8B-B14F-4D97-AF65-F5344CB8AC3E}">
+        <p14:creationId xmlns:p14="http://schemas.microsoft.com/office/powerpoint/2010/main" val="2582367712"/>
+      </p:ext>
+    </p:extLst>
+  </p:cSld>
+  <p:clrMapOvr>
+    <a:masterClrMapping/>
+  </p:clrMapOvr>
+</p:sld>
+</file>
+
+<file path=ppt/slides/slide7.xml><?xml version="1.0" encoding="utf-8"?>
+<p:sld xmlns:a="http://schemas.openxmlformats.org/drawingml/2006/main" xmlns:r="http://schemas.openxmlformats.org/officeDocument/2006/relationships" xmlns:p="http://schemas.openxmlformats.org/presentationml/2006/main">
+  <p:cSld>
+    <p:spTree>
+      <p:nvGrpSpPr>
+        <p:cNvPr id="1" name=""/>
+        <p:cNvGrpSpPr/>
+        <p:nvPr/>
+      </p:nvGrpSpPr>
+      <p:grpSpPr>
+        <a:xfrm>
+          <a:off x="0" y="0"/>
+          <a:ext cx="0" cy="0"/>
+          <a:chOff x="0" y="0"/>
+          <a:chExt cx="0" cy="0"/>
+        </a:xfrm>
+      </p:grpSpPr>
+      <p:sp>
+        <p:nvSpPr>
+          <p:cNvPr id="5" name="TextBox 4">
+            <a:extLst>
+              <a:ext uri="{FF2B5EF4-FFF2-40B4-BE49-F238E27FC236}">
+                <a16:creationId xmlns:a16="http://schemas.microsoft.com/office/drawing/2014/main" id="{B6B5EC4D-4CFB-8E5B-3463-FF3BA4C587F5}"/>
+              </a:ext>
+            </a:extLst>
+          </p:cNvPr>
+          <p:cNvSpPr txBox="1"/>
+          <p:nvPr/>
+        </p:nvSpPr>
+        <p:spPr>
+          <a:xfrm>
+            <a:off x="2145981" y="1536174"/>
+            <a:ext cx="9071185" cy="3785652"/>
+          </a:xfrm>
+          <a:prstGeom prst="rect">
+            <a:avLst/>
+          </a:prstGeom>
+          <a:noFill/>
+        </p:spPr>
+        <p:txBody>
+          <a:bodyPr wrap="square">
+            <a:spAutoFit/>
+          </a:bodyPr>
+          <a:lstStyle/>
+          <a:p>
+            <a:r>
+              <a:rPr lang="en-GB" sz="2400" b="1" dirty="0"/>
+              <a:t>Filter</a:t>
+            </a:r>
+            <a:r>
+              <a:rPr lang="en-GB" sz="2400" dirty="0"/>
+              <a:t>: </a:t>
+            </a:r>
+            <a:r>
+              <a:rPr lang="en-GB" sz="2400" dirty="0" err="1"/>
+              <a:t>subsetting</a:t>
+            </a:r>
+            <a:r>
+              <a:rPr lang="en-GB" sz="2400" dirty="0"/>
+              <a:t> or removing observations based on some condition.</a:t>
+            </a:r>
+          </a:p>
+          <a:p>
+            <a:endParaRPr lang="en-GB" sz="2400" dirty="0"/>
+          </a:p>
+          <a:p>
+            <a:r>
+              <a:rPr lang="en-GB" sz="2400" b="1" dirty="0"/>
+              <a:t>Transform</a:t>
+            </a:r>
+            <a:r>
+              <a:rPr lang="en-GB" sz="2400" dirty="0"/>
+              <a:t>: adding or modifying variables. These modifications can involve either a single variable (e.g., log-transformation), or multiple variables (e.g., computing density from weight and volume). </a:t>
+            </a:r>
+          </a:p>
+          <a:p>
+            <a:endParaRPr lang="en-GB" sz="2400" dirty="0"/>
+          </a:p>
+          <a:p>
+            <a:r>
+              <a:rPr lang="en-GB" sz="2400" b="1" dirty="0"/>
+              <a:t>Aggregate</a:t>
+            </a:r>
+            <a:r>
+              <a:rPr lang="en-GB" sz="2400" dirty="0"/>
+              <a:t>: collapsing multiple values into a single value (e.g., by summing or taking means). </a:t>
+            </a:r>
+          </a:p>
+          <a:p>
+            <a:endParaRPr lang="en-GB" sz="2400" dirty="0"/>
+          </a:p>
+          <a:p>
+            <a:r>
+              <a:rPr lang="en-GB" sz="2400" b="1" dirty="0"/>
+              <a:t>Sort</a:t>
+            </a:r>
+            <a:r>
+              <a:rPr lang="en-GB" sz="2400" dirty="0"/>
+              <a:t>: changing the order of observations</a:t>
+            </a:r>
+            <a:endParaRPr lang="en-US" sz="2400" dirty="0"/>
+          </a:p>
+        </p:txBody>
+      </p:sp>
+      <p:sp>
+        <p:nvSpPr>
+          <p:cNvPr id="6" name="TextBox 5">
+            <a:extLst>
+              <a:ext uri="{FF2B5EF4-FFF2-40B4-BE49-F238E27FC236}">
+                <a16:creationId xmlns:a16="http://schemas.microsoft.com/office/drawing/2014/main" id="{1CF2560F-B327-F7B1-9F09-45C27258AF82}"/>
+              </a:ext>
+            </a:extLst>
+          </p:cNvPr>
+          <p:cNvSpPr txBox="1"/>
+          <p:nvPr/>
+        </p:nvSpPr>
+        <p:spPr>
+          <a:xfrm>
+            <a:off x="1328057" y="685800"/>
+            <a:ext cx="5353517" cy="461665"/>
+          </a:xfrm>
+          <a:prstGeom prst="rect">
+            <a:avLst/>
+          </a:prstGeom>
+          <a:noFill/>
+        </p:spPr>
+        <p:txBody>
+          <a:bodyPr wrap="none" rtlCol="0">
+            <a:spAutoFit/>
+          </a:bodyPr>
+          <a:lstStyle/>
+          <a:p>
+            <a:r>
+              <a:rPr lang="en-US" sz="2400" b="1" dirty="0"/>
+              <a:t>What do you need to do with your data?</a:t>
+            </a:r>
+          </a:p>
+        </p:txBody>
+      </p:sp>
+      <p:sp>
+        <p:nvSpPr>
+          <p:cNvPr id="7" name="TextBox 6">
+            <a:extLst>
+              <a:ext uri="{FF2B5EF4-FFF2-40B4-BE49-F238E27FC236}">
+                <a16:creationId xmlns:a16="http://schemas.microsoft.com/office/drawing/2014/main" id="{221D8A62-FD2B-EF70-35AE-16028FF9D2D1}"/>
+              </a:ext>
+            </a:extLst>
+          </p:cNvPr>
+          <p:cNvSpPr txBox="1"/>
+          <p:nvPr/>
+        </p:nvSpPr>
+        <p:spPr>
+          <a:xfrm>
+            <a:off x="1328057" y="5987534"/>
+            <a:ext cx="7025833" cy="369332"/>
+          </a:xfrm>
+          <a:prstGeom prst="rect">
+            <a:avLst/>
+          </a:prstGeom>
+          <a:noFill/>
+        </p:spPr>
+        <p:txBody>
+          <a:bodyPr wrap="square" rtlCol="0">
+            <a:spAutoFit/>
+          </a:bodyPr>
+          <a:lstStyle/>
+          <a:p>
+            <a:r>
+              <a:rPr lang="en-US" dirty="0"/>
+              <a:t>Tidy data (usually) makes all these operation easier</a:t>
+            </a:r>
+          </a:p>
+        </p:txBody>
+      </p:sp>
+    </p:spTree>
+    <p:extLst>
+      <p:ext uri="{BB962C8B-B14F-4D97-AF65-F5344CB8AC3E}">
+        <p14:creationId xmlns:p14="http://schemas.microsoft.com/office/powerpoint/2010/main" val="2424707560"/>
+      </p:ext>
+    </p:extLst>
+  </p:cSld>
+  <p:clrMapOvr>
+    <a:masterClrMapping/>
+  </p:clrMapOvr>
+</p:sld>
+</file>
+
+<file path=ppt/slides/slide8.xml><?xml version="1.0" encoding="utf-8"?>
+<p:sld xmlns:a="http://schemas.openxmlformats.org/drawingml/2006/main" xmlns:r="http://schemas.openxmlformats.org/officeDocument/2006/relationships" xmlns:p="http://schemas.openxmlformats.org/presentationml/2006/main">
+  <p:cSld>
+    <p:spTree>
+      <p:nvGrpSpPr>
+        <p:cNvPr id="1" name=""/>
+        <p:cNvGrpSpPr/>
+        <p:nvPr/>
+      </p:nvGrpSpPr>
+      <p:grpSpPr>
+        <a:xfrm>
+          <a:off x="0" y="0"/>
+          <a:ext cx="0" cy="0"/>
+          <a:chOff x="0" y="0"/>
+          <a:chExt cx="0" cy="0"/>
+        </a:xfrm>
+      </p:grpSpPr>
+      <p:sp>
+        <p:nvSpPr>
+          <p:cNvPr id="4" name="TextBox 3">
+            <a:extLst>
+              <a:ext uri="{FF2B5EF4-FFF2-40B4-BE49-F238E27FC236}">
+                <a16:creationId xmlns:a16="http://schemas.microsoft.com/office/drawing/2014/main" id="{52077BE6-AEB0-7401-22D9-31A3F8D3C18A}"/>
+              </a:ext>
+            </a:extLst>
+          </p:cNvPr>
+          <p:cNvSpPr txBox="1"/>
+          <p:nvPr/>
+        </p:nvSpPr>
+        <p:spPr>
+          <a:xfrm>
+            <a:off x="729343" y="446705"/>
+            <a:ext cx="1508746" cy="584775"/>
+          </a:xfrm>
+          <a:prstGeom prst="rect">
+            <a:avLst/>
+          </a:prstGeom>
+          <a:noFill/>
+        </p:spPr>
+        <p:txBody>
+          <a:bodyPr wrap="none" rtlCol="0">
+            <a:spAutoFit/>
+          </a:bodyPr>
+          <a:lstStyle/>
+          <a:p>
+            <a:r>
+              <a:rPr lang="en-US" sz="3200" b="1" dirty="0"/>
+              <a:t>Melting</a:t>
+            </a:r>
+          </a:p>
+        </p:txBody>
+      </p:sp>
+      <p:pic>
+        <p:nvPicPr>
+          <p:cNvPr id="7" name="Picture 6">
+            <a:extLst>
+              <a:ext uri="{FF2B5EF4-FFF2-40B4-BE49-F238E27FC236}">
+                <a16:creationId xmlns:a16="http://schemas.microsoft.com/office/drawing/2014/main" id="{96BD7DC4-6387-D12D-0C3D-4A4363F0214C}"/>
+              </a:ext>
+            </a:extLst>
+          </p:cNvPr>
+          <p:cNvPicPr>
+            <a:picLocks noChangeAspect="1"/>
+          </p:cNvPicPr>
+          <p:nvPr/>
+        </p:nvPicPr>
+        <p:blipFill>
+          <a:blip r:embed="rId2"/>
+          <a:stretch>
+            <a:fillRect/>
+          </a:stretch>
+        </p:blipFill>
+        <p:spPr>
+          <a:xfrm>
+            <a:off x="1954893" y="1424214"/>
+            <a:ext cx="6540500" cy="4445000"/>
+          </a:xfrm>
+          <a:prstGeom prst="rect">
+            <a:avLst/>
+          </a:prstGeom>
+        </p:spPr>
+      </p:pic>
+      <p:sp>
+        <p:nvSpPr>
+          <p:cNvPr id="8" name="TextBox 7">
+            <a:extLst>
+              <a:ext uri="{FF2B5EF4-FFF2-40B4-BE49-F238E27FC236}">
+                <a16:creationId xmlns:a16="http://schemas.microsoft.com/office/drawing/2014/main" id="{4A75316D-3B6C-E13B-AC1E-E06897FF1E3C}"/>
+              </a:ext>
+            </a:extLst>
+          </p:cNvPr>
+          <p:cNvSpPr txBox="1"/>
+          <p:nvPr/>
+        </p:nvSpPr>
+        <p:spPr>
+          <a:xfrm>
+            <a:off x="1023257" y="5869214"/>
+            <a:ext cx="849015" cy="369332"/>
+          </a:xfrm>
+          <a:prstGeom prst="rect">
+            <a:avLst/>
+          </a:prstGeom>
+          <a:noFill/>
+        </p:spPr>
+        <p:txBody>
+          <a:bodyPr wrap="none" rtlCol="0">
+            <a:spAutoFit/>
+          </a:bodyPr>
+          <a:lstStyle/>
+          <a:p>
+            <a:r>
+              <a:rPr lang="en-US" dirty="0" err="1">
+                <a:solidFill>
+                  <a:srgbClr val="FF0000"/>
+                </a:solidFill>
+              </a:rPr>
+              <a:t>df.melt</a:t>
+            </a:r>
+            <a:endParaRPr lang="en-US" dirty="0">
+              <a:solidFill>
+                <a:srgbClr val="FF0000"/>
+              </a:solidFill>
+            </a:endParaRPr>
+          </a:p>
+        </p:txBody>
+      </p:sp>
+    </p:spTree>
+    <p:extLst>
+      <p:ext uri="{BB962C8B-B14F-4D97-AF65-F5344CB8AC3E}">
+        <p14:creationId xmlns:p14="http://schemas.microsoft.com/office/powerpoint/2010/main" val="4172342904"/>
+      </p:ext>
+    </p:extLst>
+  </p:cSld>
+  <p:clrMapOvr>
+    <a:masterClrMapping/>
+  </p:clrMapOvr>
+</p:sld>
+</file>
+
+<file path=ppt/slides/slide9.xml><?xml version="1.0" encoding="utf-8"?>
+<p:sld xmlns:a="http://schemas.openxmlformats.org/drawingml/2006/main" xmlns:r="http://schemas.openxmlformats.org/officeDocument/2006/relationships" xmlns:p="http://schemas.openxmlformats.org/presentationml/2006/main">
+  <p:cSld>
+    <p:spTree>
+      <p:nvGrpSpPr>
+        <p:cNvPr id="1" name=""/>
+        <p:cNvGrpSpPr/>
+        <p:nvPr/>
+      </p:nvGrpSpPr>
+      <p:grpSpPr>
+        <a:xfrm>
+          <a:off x="0" y="0"/>
+          <a:ext cx="0" cy="0"/>
+          <a:chOff x="0" y="0"/>
+          <a:chExt cx="0" cy="0"/>
+        </a:xfrm>
+      </p:grpSpPr>
+      <p:sp>
+        <p:nvSpPr>
+          <p:cNvPr id="4" name="TextBox 3">
+            <a:extLst>
+              <a:ext uri="{FF2B5EF4-FFF2-40B4-BE49-F238E27FC236}">
+                <a16:creationId xmlns:a16="http://schemas.microsoft.com/office/drawing/2014/main" id="{E844B058-FDF3-5C3F-6D37-117B4364C6CA}"/>
+              </a:ext>
+            </a:extLst>
+          </p:cNvPr>
+          <p:cNvSpPr txBox="1"/>
+          <p:nvPr/>
+        </p:nvSpPr>
+        <p:spPr>
+          <a:xfrm>
+            <a:off x="707571" y="657761"/>
+            <a:ext cx="2847126" cy="892552"/>
+          </a:xfrm>
+          <a:prstGeom prst="rect">
+            <a:avLst/>
+          </a:prstGeom>
+          <a:noFill/>
+        </p:spPr>
+        <p:txBody>
+          <a:bodyPr wrap="none" rtlCol="0">
+            <a:spAutoFit/>
+          </a:bodyPr>
+          <a:lstStyle/>
+          <a:p>
+            <a:r>
+              <a:rPr lang="en-US" sz="2800" b="1" dirty="0"/>
+              <a:t>Casting</a:t>
+            </a:r>
+          </a:p>
+          <a:p>
+            <a:r>
+              <a:rPr lang="en-US" sz="2400" dirty="0"/>
+              <a:t>(Opposite of melting)</a:t>
+            </a:r>
+          </a:p>
+        </p:txBody>
+      </p:sp>
+      <p:pic>
+        <p:nvPicPr>
+          <p:cNvPr id="6" name="Picture 5">
+            <a:extLst>
+              <a:ext uri="{FF2B5EF4-FFF2-40B4-BE49-F238E27FC236}">
+                <a16:creationId xmlns:a16="http://schemas.microsoft.com/office/drawing/2014/main" id="{6163CD30-D104-B449-24CF-0A8BF9808DF6}"/>
+              </a:ext>
+            </a:extLst>
+          </p:cNvPr>
+          <p:cNvPicPr>
+            <a:picLocks noChangeAspect="1"/>
+          </p:cNvPicPr>
+          <p:nvPr/>
+        </p:nvPicPr>
+        <p:blipFill>
+          <a:blip r:embed="rId2"/>
+          <a:stretch>
+            <a:fillRect/>
+          </a:stretch>
+        </p:blipFill>
+        <p:spPr>
+          <a:xfrm>
+            <a:off x="1727200" y="1834438"/>
+            <a:ext cx="8688170" cy="3564876"/>
+          </a:xfrm>
+          <a:prstGeom prst="rect">
+            <a:avLst/>
+          </a:prstGeom>
+        </p:spPr>
+      </p:pic>
+      <p:sp>
+        <p:nvSpPr>
+          <p:cNvPr id="8" name="TextBox 7">
+            <a:extLst>
+              <a:ext uri="{FF2B5EF4-FFF2-40B4-BE49-F238E27FC236}">
+                <a16:creationId xmlns:a16="http://schemas.microsoft.com/office/drawing/2014/main" id="{076ADEE6-D273-6F39-D488-724A87F343D1}"/>
+              </a:ext>
+            </a:extLst>
+          </p:cNvPr>
+          <p:cNvSpPr txBox="1"/>
+          <p:nvPr/>
+        </p:nvSpPr>
+        <p:spPr>
+          <a:xfrm>
+            <a:off x="1110343" y="6015573"/>
+            <a:ext cx="6096000" cy="369332"/>
+          </a:xfrm>
+          <a:prstGeom prst="rect">
+            <a:avLst/>
+          </a:prstGeom>
+          <a:noFill/>
+        </p:spPr>
+        <p:txBody>
+          <a:bodyPr wrap="square">
+            <a:spAutoFit/>
+          </a:bodyPr>
+          <a:lstStyle/>
+          <a:p>
+            <a:r>
+              <a:rPr lang="en-GB" b="0" i="0" dirty="0" err="1">
+                <a:solidFill>
+                  <a:srgbClr val="FF0000"/>
+                </a:solidFill>
+                <a:effectLst/>
+                <a:latin typeface="source-code-pro"/>
+              </a:rPr>
+              <a:t>df.pivot_table</a:t>
+            </a:r>
+            <a:r>
+              <a:rPr lang="en-GB" b="0" i="0" dirty="0">
+                <a:solidFill>
+                  <a:srgbClr val="FF0000"/>
+                </a:solidFill>
+                <a:effectLst/>
+                <a:latin typeface="source-code-pro"/>
+              </a:rPr>
+              <a:t> </a:t>
+            </a:r>
+            <a:endParaRPr lang="en-US" dirty="0">
+              <a:solidFill>
+                <a:srgbClr val="FF0000"/>
+              </a:solidFill>
+            </a:endParaRPr>
+          </a:p>
+        </p:txBody>
+      </p:sp>
+    </p:spTree>
+    <p:extLst>
+      <p:ext uri="{BB962C8B-B14F-4D97-AF65-F5344CB8AC3E}">
+        <p14:creationId xmlns:p14="http://schemas.microsoft.com/office/powerpoint/2010/main" val="261170781"/>
       </p:ext>
     </p:extLst>
   </p:cSld>

--- a/Week_2/TIdy_data.pptx
+++ b/Week_2/TIdy_data.pptx
@@ -12,9 +12,9 @@
     <p:sldId id="261" r:id="rId6"/>
     <p:sldId id="262" r:id="rId7"/>
     <p:sldId id="266" r:id="rId8"/>
-    <p:sldId id="263" r:id="rId9"/>
-    <p:sldId id="265" r:id="rId10"/>
-    <p:sldId id="264" r:id="rId11"/>
+    <p:sldId id="264" r:id="rId9"/>
+    <p:sldId id="263" r:id="rId10"/>
+    <p:sldId id="265" r:id="rId11"/>
     <p:sldId id="267" r:id="rId12"/>
   </p:sldIdLst>
   <p:sldSz cx="12192000" cy="6858000"/>
@@ -127,7 +127,7 @@
   <pc:docChgLst>
     <pc:chgData name="Catherine Kidner" userId="05772faa-c547-42bd-a4f8-01ff9d39ffcc" providerId="ADAL" clId="{A45D7CD4-5E0E-6845-96C9-0DFA878C3CDA}"/>
     <pc:docChg chg="undo custSel addSld delSld modSld sldOrd">
-      <pc:chgData name="Catherine Kidner" userId="05772faa-c547-42bd-a4f8-01ff9d39ffcc" providerId="ADAL" clId="{A45D7CD4-5E0E-6845-96C9-0DFA878C3CDA}" dt="2023-05-23T12:50:41.787" v="1241" actId="2696"/>
+      <pc:chgData name="Catherine Kidner" userId="05772faa-c547-42bd-a4f8-01ff9d39ffcc" providerId="ADAL" clId="{A45D7CD4-5E0E-6845-96C9-0DFA878C3CDA}" dt="2023-06-05T14:05:24.995" v="1448" actId="20577"/>
       <pc:docMkLst>
         <pc:docMk/>
       </pc:docMkLst>
@@ -421,7 +421,7 @@
         </pc:spChg>
       </pc:sldChg>
       <pc:sldChg chg="addSp delSp modSp new mod">
-        <pc:chgData name="Catherine Kidner" userId="05772faa-c547-42bd-a4f8-01ff9d39ffcc" providerId="ADAL" clId="{A45D7CD4-5E0E-6845-96C9-0DFA878C3CDA}" dt="2023-05-19T15:49:52.152" v="1002" actId="207"/>
+        <pc:chgData name="Catherine Kidner" userId="05772faa-c547-42bd-a4f8-01ff9d39ffcc" providerId="ADAL" clId="{A45D7CD4-5E0E-6845-96C9-0DFA878C3CDA}" dt="2023-06-05T14:05:12.653" v="1446" actId="20577"/>
         <pc:sldMkLst>
           <pc:docMk/>
           <pc:sldMk cId="4172342904" sldId="263"/>
@@ -443,6 +443,14 @@
           </ac:spMkLst>
         </pc:spChg>
         <pc:spChg chg="add mod">
+          <ac:chgData name="Catherine Kidner" userId="05772faa-c547-42bd-a4f8-01ff9d39ffcc" providerId="ADAL" clId="{A45D7CD4-5E0E-6845-96C9-0DFA878C3CDA}" dt="2023-06-01T12:34:57.820" v="1311" actId="207"/>
+          <ac:spMkLst>
+            <pc:docMk/>
+            <pc:sldMk cId="4172342904" sldId="263"/>
+            <ac:spMk id="3" creationId="{79BD258C-B20E-F39D-3B3F-B4CD12038FCB}"/>
+          </ac:spMkLst>
+        </pc:spChg>
+        <pc:spChg chg="add mod">
           <ac:chgData name="Catherine Kidner" userId="05772faa-c547-42bd-a4f8-01ff9d39ffcc" providerId="ADAL" clId="{A45D7CD4-5E0E-6845-96C9-0DFA878C3CDA}" dt="2023-05-19T15:39:03.080" v="850" actId="403"/>
           <ac:spMkLst>
             <pc:docMk/>
@@ -459,7 +467,7 @@
           </ac:spMkLst>
         </pc:spChg>
         <pc:spChg chg="add mod">
-          <ac:chgData name="Catherine Kidner" userId="05772faa-c547-42bd-a4f8-01ff9d39ffcc" providerId="ADAL" clId="{A45D7CD4-5E0E-6845-96C9-0DFA878C3CDA}" dt="2023-05-19T15:49:52.152" v="1002" actId="207"/>
+          <ac:chgData name="Catherine Kidner" userId="05772faa-c547-42bd-a4f8-01ff9d39ffcc" providerId="ADAL" clId="{A45D7CD4-5E0E-6845-96C9-0DFA878C3CDA}" dt="2023-06-05T14:05:12.653" v="1446" actId="20577"/>
           <ac:spMkLst>
             <pc:docMk/>
             <pc:sldMk cId="4172342904" sldId="263"/>
@@ -475,8 +483,8 @@
           </ac:picMkLst>
         </pc:picChg>
       </pc:sldChg>
-      <pc:sldChg chg="addSp delSp modSp new mod">
-        <pc:chgData name="Catherine Kidner" userId="05772faa-c547-42bd-a4f8-01ff9d39ffcc" providerId="ADAL" clId="{A45D7CD4-5E0E-6845-96C9-0DFA878C3CDA}" dt="2023-05-19T15:55:27.912" v="1028" actId="207"/>
+      <pc:sldChg chg="addSp delSp modSp new mod ord">
+        <pc:chgData name="Catherine Kidner" userId="05772faa-c547-42bd-a4f8-01ff9d39ffcc" providerId="ADAL" clId="{A45D7CD4-5E0E-6845-96C9-0DFA878C3CDA}" dt="2023-06-01T13:07:58.288" v="1399" actId="20578"/>
         <pc:sldMkLst>
           <pc:docMk/>
           <pc:sldMk cId="898206973" sldId="264"/>
@@ -523,7 +531,7 @@
         </pc:picChg>
       </pc:sldChg>
       <pc:sldChg chg="addSp delSp modSp new mod">
-        <pc:chgData name="Catherine Kidner" userId="05772faa-c547-42bd-a4f8-01ff9d39ffcc" providerId="ADAL" clId="{A45D7CD4-5E0E-6845-96C9-0DFA878C3CDA}" dt="2023-05-19T15:50:23.165" v="1015" actId="207"/>
+        <pc:chgData name="Catherine Kidner" userId="05772faa-c547-42bd-a4f8-01ff9d39ffcc" providerId="ADAL" clId="{A45D7CD4-5E0E-6845-96C9-0DFA878C3CDA}" dt="2023-06-05T14:05:24.995" v="1448" actId="20577"/>
         <pc:sldMkLst>
           <pc:docMk/>
           <pc:sldMk cId="261170781" sldId="265"/>
@@ -536,6 +544,14 @@
             <ac:spMk id="2" creationId="{FC6839B1-E3FA-72EC-987B-E8B041A9A479}"/>
           </ac:spMkLst>
         </pc:spChg>
+        <pc:spChg chg="add mod">
+          <ac:chgData name="Catherine Kidner" userId="05772faa-c547-42bd-a4f8-01ff9d39ffcc" providerId="ADAL" clId="{A45D7CD4-5E0E-6845-96C9-0DFA878C3CDA}" dt="2023-06-05T14:04:53.617" v="1432" actId="20577"/>
+          <ac:spMkLst>
+            <pc:docMk/>
+            <pc:sldMk cId="261170781" sldId="265"/>
+            <ac:spMk id="3" creationId="{83A77B87-7DC5-3175-2ABA-C484B5DB88A3}"/>
+          </ac:spMkLst>
+        </pc:spChg>
         <pc:spChg chg="del">
           <ac:chgData name="Catherine Kidner" userId="05772faa-c547-42bd-a4f8-01ff9d39ffcc" providerId="ADAL" clId="{A45D7CD4-5E0E-6845-96C9-0DFA878C3CDA}" dt="2023-05-19T15:42:53.224" v="877" actId="478"/>
           <ac:spMkLst>
@@ -545,7 +561,7 @@
           </ac:spMkLst>
         </pc:spChg>
         <pc:spChg chg="add mod">
-          <ac:chgData name="Catherine Kidner" userId="05772faa-c547-42bd-a4f8-01ff9d39ffcc" providerId="ADAL" clId="{A45D7CD4-5E0E-6845-96C9-0DFA878C3CDA}" dt="2023-05-19T15:43:38.518" v="917" actId="404"/>
+          <ac:chgData name="Catherine Kidner" userId="05772faa-c547-42bd-a4f8-01ff9d39ffcc" providerId="ADAL" clId="{A45D7CD4-5E0E-6845-96C9-0DFA878C3CDA}" dt="2023-06-05T14:05:24.995" v="1448" actId="20577"/>
           <ac:spMkLst>
             <pc:docMk/>
             <pc:sldMk cId="261170781" sldId="265"/>
@@ -553,7 +569,7 @@
           </ac:spMkLst>
         </pc:spChg>
         <pc:spChg chg="add mod">
-          <ac:chgData name="Catherine Kidner" userId="05772faa-c547-42bd-a4f8-01ff9d39ffcc" providerId="ADAL" clId="{A45D7CD4-5E0E-6845-96C9-0DFA878C3CDA}" dt="2023-05-19T15:50:23.165" v="1015" actId="207"/>
+          <ac:chgData name="Catherine Kidner" userId="05772faa-c547-42bd-a4f8-01ff9d39ffcc" providerId="ADAL" clId="{A45D7CD4-5E0E-6845-96C9-0DFA878C3CDA}" dt="2023-06-05T14:05:06.739" v="1444" actId="20577"/>
           <ac:spMkLst>
             <pc:docMk/>
             <pc:sldMk cId="261170781" sldId="265"/>
@@ -570,7 +586,7 @@
         </pc:picChg>
       </pc:sldChg>
       <pc:sldChg chg="addSp delSp modSp new mod">
-        <pc:chgData name="Catherine Kidner" userId="05772faa-c547-42bd-a4f8-01ff9d39ffcc" providerId="ADAL" clId="{A45D7CD4-5E0E-6845-96C9-0DFA878C3CDA}" dt="2023-05-23T10:34:46.119" v="1121" actId="1076"/>
+        <pc:chgData name="Catherine Kidner" userId="05772faa-c547-42bd-a4f8-01ff9d39ffcc" providerId="ADAL" clId="{A45D7CD4-5E0E-6845-96C9-0DFA878C3CDA}" dt="2023-06-01T14:26:25.204" v="1426" actId="403"/>
         <pc:sldMkLst>
           <pc:docMk/>
           <pc:sldMk cId="2424707560" sldId="266"/>
@@ -592,7 +608,7 @@
           </ac:spMkLst>
         </pc:spChg>
         <pc:spChg chg="add mod">
-          <ac:chgData name="Catherine Kidner" userId="05772faa-c547-42bd-a4f8-01ff9d39ffcc" providerId="ADAL" clId="{A45D7CD4-5E0E-6845-96C9-0DFA878C3CDA}" dt="2023-05-23T10:34:43.869" v="1120" actId="1076"/>
+          <ac:chgData name="Catherine Kidner" userId="05772faa-c547-42bd-a4f8-01ff9d39ffcc" providerId="ADAL" clId="{A45D7CD4-5E0E-6845-96C9-0DFA878C3CDA}" dt="2023-06-01T14:26:21.319" v="1424" actId="1076"/>
           <ac:spMkLst>
             <pc:docMk/>
             <pc:sldMk cId="2424707560" sldId="266"/>
@@ -600,7 +616,7 @@
           </ac:spMkLst>
         </pc:spChg>
         <pc:spChg chg="add mod">
-          <ac:chgData name="Catherine Kidner" userId="05772faa-c547-42bd-a4f8-01ff9d39ffcc" providerId="ADAL" clId="{A45D7CD4-5E0E-6845-96C9-0DFA878C3CDA}" dt="2023-05-19T15:45:38.098" v="986" actId="403"/>
+          <ac:chgData name="Catherine Kidner" userId="05772faa-c547-42bd-a4f8-01ff9d39ffcc" providerId="ADAL" clId="{A45D7CD4-5E0E-6845-96C9-0DFA878C3CDA}" dt="2023-06-01T14:26:18.848" v="1423" actId="1076"/>
           <ac:spMkLst>
             <pc:docMk/>
             <pc:sldMk cId="2424707560" sldId="266"/>
@@ -608,7 +624,7 @@
           </ac:spMkLst>
         </pc:spChg>
         <pc:spChg chg="add mod">
-          <ac:chgData name="Catherine Kidner" userId="05772faa-c547-42bd-a4f8-01ff9d39ffcc" providerId="ADAL" clId="{A45D7CD4-5E0E-6845-96C9-0DFA878C3CDA}" dt="2023-05-23T10:34:46.119" v="1121" actId="1076"/>
+          <ac:chgData name="Catherine Kidner" userId="05772faa-c547-42bd-a4f8-01ff9d39ffcc" providerId="ADAL" clId="{A45D7CD4-5E0E-6845-96C9-0DFA878C3CDA}" dt="2023-06-01T14:26:25.204" v="1426" actId="403"/>
           <ac:spMkLst>
             <pc:docMk/>
             <pc:sldMk cId="2424707560" sldId="266"/>
@@ -999,7 +1015,7 @@
           <a:p>
             <a:fld id="{6FD9776F-9BA3-C446-BC76-1E7B0EDEC55C}" type="datetimeFigureOut">
               <a:rPr lang="en-US" smtClean="0"/>
-              <a:t>5/23/23</a:t>
+              <a:t>6/5/23</a:t>
             </a:fld>
             <a:endParaRPr lang="en-US"/>
           </a:p>
@@ -1199,7 +1215,7 @@
           <a:p>
             <a:fld id="{6FD9776F-9BA3-C446-BC76-1E7B0EDEC55C}" type="datetimeFigureOut">
               <a:rPr lang="en-US" smtClean="0"/>
-              <a:t>5/23/23</a:t>
+              <a:t>6/5/23</a:t>
             </a:fld>
             <a:endParaRPr lang="en-US"/>
           </a:p>
@@ -1409,7 +1425,7 @@
           <a:p>
             <a:fld id="{6FD9776F-9BA3-C446-BC76-1E7B0EDEC55C}" type="datetimeFigureOut">
               <a:rPr lang="en-US" smtClean="0"/>
-              <a:t>5/23/23</a:t>
+              <a:t>6/5/23</a:t>
             </a:fld>
             <a:endParaRPr lang="en-US"/>
           </a:p>
@@ -1609,7 +1625,7 @@
           <a:p>
             <a:fld id="{6FD9776F-9BA3-C446-BC76-1E7B0EDEC55C}" type="datetimeFigureOut">
               <a:rPr lang="en-US" smtClean="0"/>
-              <a:t>5/23/23</a:t>
+              <a:t>6/5/23</a:t>
             </a:fld>
             <a:endParaRPr lang="en-US"/>
           </a:p>
@@ -1885,7 +1901,7 @@
           <a:p>
             <a:fld id="{6FD9776F-9BA3-C446-BC76-1E7B0EDEC55C}" type="datetimeFigureOut">
               <a:rPr lang="en-US" smtClean="0"/>
-              <a:t>5/23/23</a:t>
+              <a:t>6/5/23</a:t>
             </a:fld>
             <a:endParaRPr lang="en-US"/>
           </a:p>
@@ -2153,7 +2169,7 @@
           <a:p>
             <a:fld id="{6FD9776F-9BA3-C446-BC76-1E7B0EDEC55C}" type="datetimeFigureOut">
               <a:rPr lang="en-US" smtClean="0"/>
-              <a:t>5/23/23</a:t>
+              <a:t>6/5/23</a:t>
             </a:fld>
             <a:endParaRPr lang="en-US"/>
           </a:p>
@@ -2568,7 +2584,7 @@
           <a:p>
             <a:fld id="{6FD9776F-9BA3-C446-BC76-1E7B0EDEC55C}" type="datetimeFigureOut">
               <a:rPr lang="en-US" smtClean="0"/>
-              <a:t>5/23/23</a:t>
+              <a:t>6/5/23</a:t>
             </a:fld>
             <a:endParaRPr lang="en-US"/>
           </a:p>
@@ -2710,7 +2726,7 @@
           <a:p>
             <a:fld id="{6FD9776F-9BA3-C446-BC76-1E7B0EDEC55C}" type="datetimeFigureOut">
               <a:rPr lang="en-US" smtClean="0"/>
-              <a:t>5/23/23</a:t>
+              <a:t>6/5/23</a:t>
             </a:fld>
             <a:endParaRPr lang="en-US"/>
           </a:p>
@@ -2823,7 +2839,7 @@
           <a:p>
             <a:fld id="{6FD9776F-9BA3-C446-BC76-1E7B0EDEC55C}" type="datetimeFigureOut">
               <a:rPr lang="en-US" smtClean="0"/>
-              <a:t>5/23/23</a:t>
+              <a:t>6/5/23</a:t>
             </a:fld>
             <a:endParaRPr lang="en-US"/>
           </a:p>
@@ -3136,7 +3152,7 @@
           <a:p>
             <a:fld id="{6FD9776F-9BA3-C446-BC76-1E7B0EDEC55C}" type="datetimeFigureOut">
               <a:rPr lang="en-US" smtClean="0"/>
-              <a:t>5/23/23</a:t>
+              <a:t>6/5/23</a:t>
             </a:fld>
             <a:endParaRPr lang="en-US"/>
           </a:p>
@@ -3425,7 +3441,7 @@
           <a:p>
             <a:fld id="{6FD9776F-9BA3-C446-BC76-1E7B0EDEC55C}" type="datetimeFigureOut">
               <a:rPr lang="en-US" smtClean="0"/>
-              <a:t>5/23/23</a:t>
+              <a:t>6/5/23</a:t>
             </a:fld>
             <a:endParaRPr lang="en-US"/>
           </a:p>
@@ -3668,7 +3684,7 @@
           <a:p>
             <a:fld id="{6FD9776F-9BA3-C446-BC76-1E7B0EDEC55C}" type="datetimeFigureOut">
               <a:rPr lang="en-US" smtClean="0"/>
-              <a:t>5/23/23</a:t>
+              <a:t>6/5/23</a:t>
             </a:fld>
             <a:endParaRPr lang="en-US"/>
           </a:p>
@@ -4334,7 +4350,7 @@
           <p:cNvPr id="4" name="TextBox 3">
             <a:extLst>
               <a:ext uri="{FF2B5EF4-FFF2-40B4-BE49-F238E27FC236}">
-                <a16:creationId xmlns:a16="http://schemas.microsoft.com/office/drawing/2014/main" id="{1B1A57DA-C0F7-FE1C-DFE1-6EBA6907C139}"/>
+                <a16:creationId xmlns:a16="http://schemas.microsoft.com/office/drawing/2014/main" id="{E844B058-FDF3-5C3F-6D37-117B4364C6CA}"/>
               </a:ext>
             </a:extLst>
           </p:cNvPr>
@@ -4343,8 +4359,8 @@
         </p:nvSpPr>
         <p:spPr>
           <a:xfrm>
-            <a:off x="707694" y="620486"/>
-            <a:ext cx="1419556" cy="523220"/>
+            <a:off x="707571" y="657761"/>
+            <a:ext cx="5595763" cy="523220"/>
           </a:xfrm>
           <a:prstGeom prst="rect">
             <a:avLst/>
@@ -4359,7 +4375,11 @@
           <a:p>
             <a:r>
               <a:rPr lang="en-US" sz="2800" b="1" dirty="0"/>
-              <a:t>Splitting</a:t>
+              <a:t>Casting </a:t>
+            </a:r>
+            <a:r>
+              <a:rPr lang="en-US" sz="2400" dirty="0"/>
+              <a:t>(Opposite of melting) – use pivot</a:t>
             </a:r>
           </a:p>
         </p:txBody>
@@ -4369,7 +4389,7 @@
           <p:cNvPr id="6" name="Picture 5">
             <a:extLst>
               <a:ext uri="{FF2B5EF4-FFF2-40B4-BE49-F238E27FC236}">
-                <a16:creationId xmlns:a16="http://schemas.microsoft.com/office/drawing/2014/main" id="{8FF18725-6E7D-DD6B-DAE7-12507D4C5A81}"/>
+                <a16:creationId xmlns:a16="http://schemas.microsoft.com/office/drawing/2014/main" id="{6163CD30-D104-B449-24CF-0A8BF9808DF6}"/>
               </a:ext>
             </a:extLst>
           </p:cNvPr>
@@ -4386,8 +4406,8 @@
         </p:blipFill>
         <p:spPr>
           <a:xfrm>
-            <a:off x="1844221" y="1143706"/>
-            <a:ext cx="7772400" cy="4930034"/>
+            <a:off x="1727200" y="1834438"/>
+            <a:ext cx="8688170" cy="3564876"/>
           </a:xfrm>
           <a:prstGeom prst="rect">
             <a:avLst/>
@@ -4399,7 +4419,7 @@
           <p:cNvPr id="8" name="TextBox 7">
             <a:extLst>
               <a:ext uri="{FF2B5EF4-FFF2-40B4-BE49-F238E27FC236}">
-                <a16:creationId xmlns:a16="http://schemas.microsoft.com/office/drawing/2014/main" id="{8A313887-7049-1FB9-6324-4319E27489BA}"/>
+                <a16:creationId xmlns:a16="http://schemas.microsoft.com/office/drawing/2014/main" id="{076ADEE6-D273-6F39-D488-724A87F343D1}"/>
               </a:ext>
             </a:extLst>
           </p:cNvPr>
@@ -4408,8 +4428,8 @@
         </p:nvSpPr>
         <p:spPr>
           <a:xfrm>
-            <a:off x="329878" y="6073740"/>
-            <a:ext cx="6099858" cy="369332"/>
+            <a:off x="598279" y="5498773"/>
+            <a:ext cx="6096000" cy="369332"/>
           </a:xfrm>
           <a:prstGeom prst="rect">
             <a:avLst/>
@@ -4423,12 +4443,76 @@
           <a:lstStyle/>
           <a:p>
             <a:r>
+              <a:rPr lang="en-GB" b="0" i="0" dirty="0" err="1">
+                <a:solidFill>
+                  <a:srgbClr val="FF0000"/>
+                </a:solidFill>
+                <a:effectLst/>
+                <a:latin typeface="source-code-pro"/>
+              </a:rPr>
+              <a:t>df.pivot</a:t>
+            </a:r>
+            <a:r>
+              <a:rPr lang="en-GB" b="0" i="0" dirty="0">
+                <a:solidFill>
+                  <a:srgbClr val="FF0000"/>
+                </a:solidFill>
+                <a:effectLst/>
+                <a:latin typeface="source-code-pro"/>
+              </a:rPr>
+              <a:t>() </a:t>
+            </a:r>
+            <a:endParaRPr lang="en-US" dirty="0">
+              <a:solidFill>
+                <a:srgbClr val="FF0000"/>
+              </a:solidFill>
+            </a:endParaRPr>
+          </a:p>
+        </p:txBody>
+      </p:sp>
+      <p:sp>
+        <p:nvSpPr>
+          <p:cNvPr id="3" name="TextBox 2">
+            <a:extLst>
+              <a:ext uri="{FF2B5EF4-FFF2-40B4-BE49-F238E27FC236}">
+                <a16:creationId xmlns:a16="http://schemas.microsoft.com/office/drawing/2014/main" id="{83A77B87-7DC5-3175-2ABA-C484B5DB88A3}"/>
+              </a:ext>
+            </a:extLst>
+          </p:cNvPr>
+          <p:cNvSpPr txBox="1"/>
+          <p:nvPr/>
+        </p:nvSpPr>
+        <p:spPr>
+          <a:xfrm>
+            <a:off x="707571" y="5967564"/>
+            <a:ext cx="10314432" cy="369332"/>
+          </a:xfrm>
+          <a:prstGeom prst="rect">
+            <a:avLst/>
+          </a:prstGeom>
+          <a:noFill/>
+        </p:spPr>
+        <p:txBody>
+          <a:bodyPr wrap="square">
+            <a:spAutoFit/>
+          </a:bodyPr>
+          <a:lstStyle/>
+          <a:p>
+            <a:r>
+              <a:rPr lang="en-GB" dirty="0">
+                <a:solidFill>
+                  <a:srgbClr val="FF0000"/>
+                </a:solidFill>
+              </a:rPr>
+              <a:t>df2 = </a:t>
+            </a:r>
+            <a:r>
               <a:rPr lang="en-GB" dirty="0" err="1">
                 <a:solidFill>
                   <a:srgbClr val="FF0000"/>
                 </a:solidFill>
               </a:rPr>
-              <a:t>Series.str.split</a:t>
+              <a:t>pd.pivot</a:t>
             </a:r>
             <a:r>
               <a:rPr lang="en-GB" dirty="0">
@@ -4436,17 +4520,108 @@
                   <a:srgbClr val="FF0000"/>
                 </a:solidFill>
               </a:rPr>
-              <a:t>()</a:t>
-            </a:r>
-            <a:r>
-              <a:rPr lang="en-GB" b="0" i="0" dirty="0">
+              <a:t>(</a:t>
+            </a:r>
+            <a:r>
+              <a:rPr lang="en-GB" dirty="0" err="1">
+                <a:solidFill>
+                  <a:srgbClr val="FF0000"/>
+                </a:solidFill>
+              </a:rPr>
+              <a:t>df</a:t>
+            </a:r>
+            <a:r>
+              <a:rPr lang="en-GB" dirty="0">
+                <a:solidFill>
+                  <a:srgbClr val="FF0000"/>
+                </a:solidFill>
+              </a:rPr>
+              <a:t>, </a:t>
+            </a:r>
+            <a:r>
+              <a:rPr lang="en-GB" dirty="0">
                 <a:solidFill>
                   <a:srgbClr val="FF0000"/>
                 </a:solidFill>
                 <a:effectLst/>
-                <a:latin typeface="Open Sans" panose="020B0606030504020204" pitchFamily="34" charset="0"/>
               </a:rPr>
-              <a:t> </a:t>
+              <a:t>index</a:t>
+            </a:r>
+            <a:r>
+              <a:rPr lang="en-GB" dirty="0">
+                <a:solidFill>
+                  <a:srgbClr val="FF0000"/>
+                </a:solidFill>
+              </a:rPr>
+              <a:t>=</a:t>
+            </a:r>
+            <a:r>
+              <a:rPr lang="en-GB" dirty="0">
+                <a:solidFill>
+                  <a:srgbClr val="FF0000"/>
+                </a:solidFill>
+                <a:effectLst/>
+              </a:rPr>
+              <a:t>[‘id’, ‘date’]</a:t>
+            </a:r>
+            <a:r>
+              <a:rPr lang="en-GB" dirty="0">
+                <a:solidFill>
+                  <a:srgbClr val="FF0000"/>
+                </a:solidFill>
+              </a:rPr>
+              <a:t>, columns=</a:t>
+            </a:r>
+            <a:r>
+              <a:rPr lang="en-GB" dirty="0">
+                <a:solidFill>
+                  <a:srgbClr val="FF0000"/>
+                </a:solidFill>
+                <a:effectLst/>
+              </a:rPr>
+              <a:t>‘element'</a:t>
+            </a:r>
+            <a:r>
+              <a:rPr lang="en-GB" dirty="0">
+                <a:solidFill>
+                  <a:srgbClr val="FF0000"/>
+                </a:solidFill>
+              </a:rPr>
+              <a:t>, </a:t>
+            </a:r>
+            <a:r>
+              <a:rPr lang="en-GB" dirty="0">
+                <a:solidFill>
+                  <a:srgbClr val="FF0000"/>
+                </a:solidFill>
+                <a:effectLst/>
+              </a:rPr>
+              <a:t>values</a:t>
+            </a:r>
+            <a:r>
+              <a:rPr lang="en-GB" dirty="0">
+                <a:solidFill>
+                  <a:srgbClr val="FF0000"/>
+                </a:solidFill>
+              </a:rPr>
+              <a:t>=</a:t>
+            </a:r>
+            <a:r>
+              <a:rPr lang="en-GB" dirty="0">
+                <a:solidFill>
+                  <a:srgbClr val="FF0000"/>
+                </a:solidFill>
+                <a:effectLst/>
+              </a:rPr>
+              <a:t>‘value'</a:t>
+            </a:r>
+            <a:r>
+              <a:rPr lang="en-GB" dirty="0">
+                <a:solidFill>
+                  <a:srgbClr val="FF0000"/>
+                </a:solidFill>
+              </a:rPr>
+              <a:t>)</a:t>
             </a:r>
             <a:endParaRPr lang="en-US" dirty="0">
               <a:solidFill>
@@ -4459,7 +4634,7 @@
     </p:spTree>
     <p:extLst>
       <p:ext uri="{BB962C8B-B14F-4D97-AF65-F5344CB8AC3E}">
-        <p14:creationId xmlns:p14="http://schemas.microsoft.com/office/powerpoint/2010/main" val="898206973"/>
+        <p14:creationId xmlns:p14="http://schemas.microsoft.com/office/powerpoint/2010/main" val="261170781"/>
       </p:ext>
     </p:extLst>
   </p:cSld>
@@ -5676,8 +5851,8 @@
         </p:nvSpPr>
         <p:spPr>
           <a:xfrm>
-            <a:off x="2145981" y="1536174"/>
-            <a:ext cx="9071185" cy="3785652"/>
+            <a:off x="2145980" y="982176"/>
+            <a:ext cx="9071185" cy="4893647"/>
           </a:xfrm>
           <a:prstGeom prst="rect">
             <a:avLst/>
@@ -5692,6 +5867,33 @@
           <a:p>
             <a:r>
               <a:rPr lang="en-GB" sz="2400" b="1" dirty="0"/>
+              <a:t>Transform</a:t>
+            </a:r>
+            <a:r>
+              <a:rPr lang="en-GB" sz="2400" dirty="0"/>
+              <a:t>: adding or modifying variables. These modifications can involve either a single variable (e.g., log-transformation), or multiple variables (e.g., computing density from weight and volume). </a:t>
+            </a:r>
+          </a:p>
+          <a:p>
+            <a:endParaRPr lang="en-GB" sz="2400" b="1" dirty="0"/>
+          </a:p>
+          <a:p>
+            <a:r>
+              <a:rPr lang="en-GB" sz="2400" b="1" dirty="0"/>
+              <a:t>Sort</a:t>
+            </a:r>
+            <a:r>
+              <a:rPr lang="en-GB" sz="2400" dirty="0"/>
+              <a:t>: changing the order of observations</a:t>
+            </a:r>
+            <a:endParaRPr lang="en-GB" sz="2400" b="1" dirty="0"/>
+          </a:p>
+          <a:p>
+            <a:endParaRPr lang="en-GB" sz="2400" b="1" dirty="0"/>
+          </a:p>
+          <a:p>
+            <a:r>
+              <a:rPr lang="en-GB" sz="2400" b="1" dirty="0"/>
               <a:t>Filter</a:t>
             </a:r>
             <a:r>
@@ -5708,20 +5910,13 @@
             </a:r>
           </a:p>
           <a:p>
-            <a:endParaRPr lang="en-GB" sz="2400" dirty="0"/>
-          </a:p>
-          <a:p>
-            <a:r>
-              <a:rPr lang="en-GB" sz="2400" b="1" dirty="0"/>
-              <a:t>Transform</a:t>
-            </a:r>
-            <a:r>
-              <a:rPr lang="en-GB" sz="2400" dirty="0"/>
-              <a:t>: adding or modifying variables. These modifications can involve either a single variable (e.g., log-transformation), or multiple variables (e.g., computing density from weight and volume). </a:t>
-            </a:r>
-          </a:p>
-          <a:p>
-            <a:endParaRPr lang="en-GB" sz="2400" dirty="0"/>
+            <a:r>
+              <a:rPr lang="en-GB" sz="2400" i="1" dirty="0"/>
+              <a:t>(week 5)</a:t>
+            </a:r>
+          </a:p>
+          <a:p>
+            <a:endParaRPr lang="en-GB" sz="2400" i="1" dirty="0"/>
           </a:p>
           <a:p>
             <a:r>
@@ -5734,18 +5929,13 @@
             </a:r>
           </a:p>
           <a:p>
+            <a:r>
+              <a:rPr lang="en-GB" sz="2400" i="1" dirty="0"/>
+              <a:t>(week 5)</a:t>
+            </a:r>
+          </a:p>
+          <a:p>
             <a:endParaRPr lang="en-GB" sz="2400" dirty="0"/>
-          </a:p>
-          <a:p>
-            <a:r>
-              <a:rPr lang="en-GB" sz="2400" b="1" dirty="0"/>
-              <a:t>Sort</a:t>
-            </a:r>
-            <a:r>
-              <a:rPr lang="en-GB" sz="2400" dirty="0"/>
-              <a:t>: changing the order of observations</a:t>
-            </a:r>
-            <a:endParaRPr lang="en-US" sz="2400" dirty="0"/>
           </a:p>
         </p:txBody>
       </p:sp>
@@ -5763,7 +5953,7 @@
         </p:nvSpPr>
         <p:spPr>
           <a:xfrm>
-            <a:off x="1328057" y="685800"/>
+            <a:off x="1328056" y="270301"/>
             <a:ext cx="5353517" cy="461665"/>
           </a:xfrm>
           <a:prstGeom prst="rect">
@@ -5799,7 +5989,7 @@
         <p:spPr>
           <a:xfrm>
             <a:off x="1328057" y="5987534"/>
-            <a:ext cx="7025833" cy="369332"/>
+            <a:ext cx="7025833" cy="461665"/>
           </a:xfrm>
           <a:prstGeom prst="rect">
             <a:avLst/>
@@ -5813,7 +6003,7 @@
           <a:lstStyle/>
           <a:p>
             <a:r>
-              <a:rPr lang="en-US" dirty="0"/>
+              <a:rPr lang="en-US" sz="2400" dirty="0"/>
               <a:t>Tidy data (usually) makes all these operation easier</a:t>
             </a:r>
           </a:p>
@@ -5854,7 +6044,7 @@
           <p:cNvPr id="4" name="TextBox 3">
             <a:extLst>
               <a:ext uri="{FF2B5EF4-FFF2-40B4-BE49-F238E27FC236}">
-                <a16:creationId xmlns:a16="http://schemas.microsoft.com/office/drawing/2014/main" id="{52077BE6-AEB0-7401-22D9-31A3F8D3C18A}"/>
+                <a16:creationId xmlns:a16="http://schemas.microsoft.com/office/drawing/2014/main" id="{1B1A57DA-C0F7-FE1C-DFE1-6EBA6907C139}"/>
               </a:ext>
             </a:extLst>
           </p:cNvPr>
@@ -5863,8 +6053,8 @@
         </p:nvSpPr>
         <p:spPr>
           <a:xfrm>
-            <a:off x="729343" y="446705"/>
-            <a:ext cx="1508746" cy="584775"/>
+            <a:off x="707694" y="620486"/>
+            <a:ext cx="1419556" cy="523220"/>
           </a:xfrm>
           <a:prstGeom prst="rect">
             <a:avLst/>
@@ -5878,18 +6068,18 @@
           <a:lstStyle/>
           <a:p>
             <a:r>
-              <a:rPr lang="en-US" sz="3200" b="1" dirty="0"/>
-              <a:t>Melting</a:t>
+              <a:rPr lang="en-US" sz="2800" b="1" dirty="0"/>
+              <a:t>Splitting</a:t>
             </a:r>
           </a:p>
         </p:txBody>
       </p:sp>
       <p:pic>
         <p:nvPicPr>
-          <p:cNvPr id="7" name="Picture 6">
-            <a:extLst>
-              <a:ext uri="{FF2B5EF4-FFF2-40B4-BE49-F238E27FC236}">
-                <a16:creationId xmlns:a16="http://schemas.microsoft.com/office/drawing/2014/main" id="{96BD7DC4-6387-D12D-0C3D-4A4363F0214C}"/>
+          <p:cNvPr id="6" name="Picture 5">
+            <a:extLst>
+              <a:ext uri="{FF2B5EF4-FFF2-40B4-BE49-F238E27FC236}">
+                <a16:creationId xmlns:a16="http://schemas.microsoft.com/office/drawing/2014/main" id="{8FF18725-6E7D-DD6B-DAE7-12507D4C5A81}"/>
               </a:ext>
             </a:extLst>
           </p:cNvPr>
@@ -5906,8 +6096,8 @@
         </p:blipFill>
         <p:spPr>
           <a:xfrm>
-            <a:off x="1954893" y="1424214"/>
-            <a:ext cx="6540500" cy="4445000"/>
+            <a:off x="1844221" y="1143706"/>
+            <a:ext cx="7772400" cy="4930034"/>
           </a:xfrm>
           <a:prstGeom prst="rect">
             <a:avLst/>
@@ -5919,7 +6109,7 @@
           <p:cNvPr id="8" name="TextBox 7">
             <a:extLst>
               <a:ext uri="{FF2B5EF4-FFF2-40B4-BE49-F238E27FC236}">
-                <a16:creationId xmlns:a16="http://schemas.microsoft.com/office/drawing/2014/main" id="{4A75316D-3B6C-E13B-AC1E-E06897FF1E3C}"/>
+                <a16:creationId xmlns:a16="http://schemas.microsoft.com/office/drawing/2014/main" id="{8A313887-7049-1FB9-6324-4319E27489BA}"/>
               </a:ext>
             </a:extLst>
           </p:cNvPr>
@@ -5928,8 +6118,8 @@
         </p:nvSpPr>
         <p:spPr>
           <a:xfrm>
-            <a:off x="1023257" y="5869214"/>
-            <a:ext cx="849015" cy="369332"/>
+            <a:off x="329878" y="6073740"/>
+            <a:ext cx="6099858" cy="369332"/>
           </a:xfrm>
           <a:prstGeom prst="rect">
             <a:avLst/>
@@ -5937,18 +6127,36 @@
           <a:noFill/>
         </p:spPr>
         <p:txBody>
-          <a:bodyPr wrap="none" rtlCol="0">
+          <a:bodyPr wrap="square">
             <a:spAutoFit/>
           </a:bodyPr>
           <a:lstStyle/>
           <a:p>
             <a:r>
-              <a:rPr lang="en-US" dirty="0" err="1">
+              <a:rPr lang="en-GB" dirty="0" err="1">
                 <a:solidFill>
                   <a:srgbClr val="FF0000"/>
                 </a:solidFill>
               </a:rPr>
-              <a:t>df.melt</a:t>
+              <a:t>Series.str.split</a:t>
+            </a:r>
+            <a:r>
+              <a:rPr lang="en-GB" dirty="0">
+                <a:solidFill>
+                  <a:srgbClr val="FF0000"/>
+                </a:solidFill>
+              </a:rPr>
+              <a:t>()</a:t>
+            </a:r>
+            <a:r>
+              <a:rPr lang="en-GB" b="0" i="0" dirty="0">
+                <a:solidFill>
+                  <a:srgbClr val="FF0000"/>
+                </a:solidFill>
+                <a:effectLst/>
+                <a:latin typeface="Open Sans" panose="020B0606030504020204" pitchFamily="34" charset="0"/>
+              </a:rPr>
+              <a:t> </a:t>
             </a:r>
             <a:endParaRPr lang="en-US" dirty="0">
               <a:solidFill>
@@ -5961,7 +6169,7 @@
     </p:spTree>
     <p:extLst>
       <p:ext uri="{BB962C8B-B14F-4D97-AF65-F5344CB8AC3E}">
-        <p14:creationId xmlns:p14="http://schemas.microsoft.com/office/powerpoint/2010/main" val="4172342904"/>
+        <p14:creationId xmlns:p14="http://schemas.microsoft.com/office/powerpoint/2010/main" val="898206973"/>
       </p:ext>
     </p:extLst>
   </p:cSld>
@@ -5993,7 +6201,7 @@
           <p:cNvPr id="4" name="TextBox 3">
             <a:extLst>
               <a:ext uri="{FF2B5EF4-FFF2-40B4-BE49-F238E27FC236}">
-                <a16:creationId xmlns:a16="http://schemas.microsoft.com/office/drawing/2014/main" id="{E844B058-FDF3-5C3F-6D37-117B4364C6CA}"/>
+                <a16:creationId xmlns:a16="http://schemas.microsoft.com/office/drawing/2014/main" id="{52077BE6-AEB0-7401-22D9-31A3F8D3C18A}"/>
               </a:ext>
             </a:extLst>
           </p:cNvPr>
@@ -6002,8 +6210,8 @@
         </p:nvSpPr>
         <p:spPr>
           <a:xfrm>
-            <a:off x="707571" y="657761"/>
-            <a:ext cx="2847126" cy="892552"/>
+            <a:off x="729343" y="446705"/>
+            <a:ext cx="1508746" cy="584775"/>
           </a:xfrm>
           <a:prstGeom prst="rect">
             <a:avLst/>
@@ -6017,24 +6225,18 @@
           <a:lstStyle/>
           <a:p>
             <a:r>
-              <a:rPr lang="en-US" sz="2800" b="1" dirty="0"/>
-              <a:t>Casting</a:t>
-            </a:r>
-          </a:p>
-          <a:p>
-            <a:r>
-              <a:rPr lang="en-US" sz="2400" dirty="0"/>
-              <a:t>(Opposite of melting)</a:t>
+              <a:rPr lang="en-US" sz="3200" b="1" dirty="0"/>
+              <a:t>Melting</a:t>
             </a:r>
           </a:p>
         </p:txBody>
       </p:sp>
       <p:pic>
         <p:nvPicPr>
-          <p:cNvPr id="6" name="Picture 5">
-            <a:extLst>
-              <a:ext uri="{FF2B5EF4-FFF2-40B4-BE49-F238E27FC236}">
-                <a16:creationId xmlns:a16="http://schemas.microsoft.com/office/drawing/2014/main" id="{6163CD30-D104-B449-24CF-0A8BF9808DF6}"/>
+          <p:cNvPr id="7" name="Picture 6">
+            <a:extLst>
+              <a:ext uri="{FF2B5EF4-FFF2-40B4-BE49-F238E27FC236}">
+                <a16:creationId xmlns:a16="http://schemas.microsoft.com/office/drawing/2014/main" id="{96BD7DC4-6387-D12D-0C3D-4A4363F0214C}"/>
               </a:ext>
             </a:extLst>
           </p:cNvPr>
@@ -6051,8 +6253,8 @@
         </p:blipFill>
         <p:spPr>
           <a:xfrm>
-            <a:off x="1727200" y="1834438"/>
-            <a:ext cx="8688170" cy="3564876"/>
+            <a:off x="1954893" y="1424214"/>
+            <a:ext cx="6540500" cy="4445000"/>
           </a:xfrm>
           <a:prstGeom prst="rect">
             <a:avLst/>
@@ -6064,7 +6266,7 @@
           <p:cNvPr id="8" name="TextBox 7">
             <a:extLst>
               <a:ext uri="{FF2B5EF4-FFF2-40B4-BE49-F238E27FC236}">
-                <a16:creationId xmlns:a16="http://schemas.microsoft.com/office/drawing/2014/main" id="{076ADEE6-D273-6F39-D488-724A87F343D1}"/>
+                <a16:creationId xmlns:a16="http://schemas.microsoft.com/office/drawing/2014/main" id="{4A75316D-3B6C-E13B-AC1E-E06897FF1E3C}"/>
               </a:ext>
             </a:extLst>
           </p:cNvPr>
@@ -6073,8 +6275,8 @@
         </p:nvSpPr>
         <p:spPr>
           <a:xfrm>
-            <a:off x="1110343" y="6015573"/>
-            <a:ext cx="6096000" cy="369332"/>
+            <a:off x="729343" y="5424674"/>
+            <a:ext cx="990079" cy="369332"/>
           </a:xfrm>
           <a:prstGeom prst="rect">
             <a:avLst/>
@@ -6082,43 +6284,161 @@
           <a:noFill/>
         </p:spPr>
         <p:txBody>
+          <a:bodyPr wrap="none" rtlCol="0">
+            <a:spAutoFit/>
+          </a:bodyPr>
+          <a:lstStyle/>
+          <a:p>
+            <a:r>
+              <a:rPr lang="en-US" dirty="0" err="1">
+                <a:solidFill>
+                  <a:srgbClr val="FF0000"/>
+                </a:solidFill>
+              </a:rPr>
+              <a:t>df.melt</a:t>
+            </a:r>
+            <a:r>
+              <a:rPr lang="en-US" dirty="0">
+                <a:solidFill>
+                  <a:srgbClr val="FF0000"/>
+                </a:solidFill>
+              </a:rPr>
+              <a:t>()</a:t>
+            </a:r>
+          </a:p>
+        </p:txBody>
+      </p:sp>
+      <p:sp>
+        <p:nvSpPr>
+          <p:cNvPr id="3" name="TextBox 2">
+            <a:extLst>
+              <a:ext uri="{FF2B5EF4-FFF2-40B4-BE49-F238E27FC236}">
+                <a16:creationId xmlns:a16="http://schemas.microsoft.com/office/drawing/2014/main" id="{79BD258C-B20E-F39D-3B3F-B4CD12038FCB}"/>
+              </a:ext>
+            </a:extLst>
+          </p:cNvPr>
+          <p:cNvSpPr txBox="1"/>
+          <p:nvPr/>
+        </p:nvSpPr>
+        <p:spPr>
+          <a:xfrm>
+            <a:off x="729343" y="6088129"/>
+            <a:ext cx="10926209" cy="369332"/>
+          </a:xfrm>
+          <a:prstGeom prst="rect">
+            <a:avLst/>
+          </a:prstGeom>
+          <a:noFill/>
+        </p:spPr>
+        <p:txBody>
           <a:bodyPr wrap="square">
             <a:spAutoFit/>
           </a:bodyPr>
           <a:lstStyle/>
           <a:p>
             <a:r>
-              <a:rPr lang="en-GB" b="0" i="0" dirty="0" err="1">
+              <a:rPr lang="en-US" dirty="0" err="1">
                 <a:solidFill>
                   <a:srgbClr val="FF0000"/>
                 </a:solidFill>
-                <a:effectLst/>
-                <a:latin typeface="source-code-pro"/>
               </a:rPr>
-              <a:t>df.pivot_table</a:t>
-            </a:r>
-            <a:r>
-              <a:rPr lang="en-GB" b="0" i="0" dirty="0">
+              <a:t>pd.melt</a:t>
+            </a:r>
+            <a:r>
+              <a:rPr lang="en-US" dirty="0">
                 <a:solidFill>
                   <a:srgbClr val="FF0000"/>
                 </a:solidFill>
-                <a:effectLst/>
-                <a:latin typeface="source-code-pro"/>
               </a:rPr>
-              <a:t> </a:t>
-            </a:r>
-            <a:endParaRPr lang="en-US" dirty="0">
-              <a:solidFill>
-                <a:srgbClr val="FF0000"/>
-              </a:solidFill>
-            </a:endParaRPr>
+              <a:t>(</a:t>
+            </a:r>
+            <a:r>
+              <a:rPr lang="en-US" dirty="0" err="1">
+                <a:solidFill>
+                  <a:srgbClr val="FF0000"/>
+                </a:solidFill>
+              </a:rPr>
+              <a:t>df</a:t>
+            </a:r>
+            <a:r>
+              <a:rPr lang="en-US" dirty="0">
+                <a:solidFill>
+                  <a:srgbClr val="FF0000"/>
+                </a:solidFill>
+              </a:rPr>
+              <a:t>, </a:t>
+            </a:r>
+            <a:r>
+              <a:rPr lang="en-US" dirty="0" err="1">
+                <a:solidFill>
+                  <a:srgbClr val="FF0000"/>
+                </a:solidFill>
+              </a:rPr>
+              <a:t>id_vars</a:t>
+            </a:r>
+            <a:r>
+              <a:rPr lang="en-US" dirty="0">
+                <a:solidFill>
+                  <a:srgbClr val="FF0000"/>
+                </a:solidFill>
+              </a:rPr>
+              <a:t>=[Row'], </a:t>
+            </a:r>
+            <a:r>
+              <a:rPr lang="en-US" dirty="0" err="1">
+                <a:solidFill>
+                  <a:srgbClr val="FF0000"/>
+                </a:solidFill>
+              </a:rPr>
+              <a:t>value_vars</a:t>
+            </a:r>
+            <a:r>
+              <a:rPr lang="en-US" dirty="0">
+                <a:solidFill>
+                  <a:srgbClr val="FF0000"/>
+                </a:solidFill>
+              </a:rPr>
+              <a:t>= [‘a’, ‘b’, ‘c’], </a:t>
+            </a:r>
+            <a:r>
+              <a:rPr lang="en-US" dirty="0" err="1">
+                <a:solidFill>
+                  <a:srgbClr val="FF0000"/>
+                </a:solidFill>
+              </a:rPr>
+              <a:t>var_name</a:t>
+            </a:r>
+            <a:r>
+              <a:rPr lang="en-US" dirty="0">
+                <a:solidFill>
+                  <a:srgbClr val="FF0000"/>
+                </a:solidFill>
+              </a:rPr>
+              <a:t>=‘column', </a:t>
+            </a:r>
+            <a:r>
+              <a:rPr lang="en-US" dirty="0" err="1">
+                <a:solidFill>
+                  <a:srgbClr val="FF0000"/>
+                </a:solidFill>
+              </a:rPr>
+              <a:t>value_name</a:t>
+            </a:r>
+            <a:r>
+              <a:rPr lang="en-US" dirty="0">
+                <a:solidFill>
+                  <a:srgbClr val="FF0000"/>
+                </a:solidFill>
+              </a:rPr>
+              <a:t>=‘value')</a:t>
+            </a:r>
           </a:p>
         </p:txBody>
       </p:sp>
     </p:spTree>
     <p:extLst>
       <p:ext uri="{BB962C8B-B14F-4D97-AF65-F5344CB8AC3E}">
-        <p14:creationId xmlns:p14="http://schemas.microsoft.com/office/powerpoint/2010/main" val="261170781"/>
+        <p14:creationId xmlns:p14="http://schemas.microsoft.com/office/powerpoint/2010/main" val="4172342904"/>
       </p:ext>
     </p:extLst>
   </p:cSld>
